--- a/Ethanol-drop.pptx
+++ b/Ethanol-drop.pptx
@@ -7,7 +7,8 @@
   <p:sldIdLst>
     <p:sldId id="256" r:id="rId2"/>
     <p:sldId id="258" r:id="rId3"/>
-    <p:sldId id="257" r:id="rId4"/>
+    <p:sldId id="260" r:id="rId4"/>
+    <p:sldId id="259" r:id="rId5"/>
   </p:sldIdLst>
   <p:sldSz cx="12192000" cy="6858000"/>
   <p:notesSz cx="6858000" cy="9144000"/>
@@ -106,6 +107,11 @@
       </a:defRPr>
     </a:lvl9pPr>
   </p:defaultTextStyle>
+  <p:extLst>
+    <p:ext uri="{EFAFB233-063F-42B5-8137-9DF3F51BA10A}">
+      <p15:sldGuideLst xmlns:p15="http://schemas.microsoft.com/office/powerpoint/2012/main"/>
+    </p:ext>
+  </p:extLst>
 </p:presentation>
 </file>
 
@@ -3333,134 +3339,33 @@
           <a:chExt cx="0" cy="0"/>
         </a:xfrm>
       </p:grpSpPr>
-    </p:spTree>
-    <p:extLst>
-      <p:ext uri="{BB962C8B-B14F-4D97-AF65-F5344CB8AC3E}">
-        <p14:creationId xmlns:p14="http://schemas.microsoft.com/office/powerpoint/2010/main" val="690903216"/>
-      </p:ext>
-    </p:extLst>
-  </p:cSld>
-  <p:clrMapOvr>
-    <a:masterClrMapping/>
-  </p:clrMapOvr>
-  <p:timing>
-    <p:tnLst>
-      <p:par>
-        <p:cTn id="1" dur="indefinite" restart="never" nodeType="tmRoot"/>
-      </p:par>
-    </p:tnLst>
-  </p:timing>
-</p:sld>
-</file>
-
-<file path=ppt/slides/slide3.xml><?xml version="1.0" encoding="utf-8"?>
-<p:sld xmlns:a="http://schemas.openxmlformats.org/drawingml/2006/main" xmlns:r="http://schemas.openxmlformats.org/officeDocument/2006/relationships" xmlns:p="http://schemas.openxmlformats.org/presentationml/2006/main">
-  <p:cSld>
-    <p:spTree>
-      <p:nvGrpSpPr>
-        <p:cNvPr id="1" name=""/>
-        <p:cNvGrpSpPr/>
-        <p:nvPr/>
-      </p:nvGrpSpPr>
-      <p:grpSpPr>
-        <a:xfrm>
-          <a:off x="0" y="0"/>
-          <a:ext cx="0" cy="0"/>
-          <a:chOff x="0" y="0"/>
-          <a:chExt cx="0" cy="0"/>
-        </a:xfrm>
-      </p:grpSpPr>
-      <p:pic>
-        <p:nvPicPr>
-          <p:cNvPr id="2" name="ethanol">
-            <a:hlinkClick r:id="" action="ppaction://media"/>
-          </p:cNvPr>
-          <p:cNvPicPr>
-            <a:picLocks noChangeAspect="1"/>
-          </p:cNvPicPr>
-          <p:nvPr>
-            <a:videoFile r:link="rId2"/>
-            <p:extLst>
-              <p:ext uri="{DAA4B4D4-6D71-4841-9C94-3DE7FCFB9230}">
-                <p14:media xmlns:p14="http://schemas.microsoft.com/office/powerpoint/2010/main" r:embed="rId1"/>
-              </p:ext>
-            </p:extLst>
-          </p:nvPr>
-        </p:nvPicPr>
-        <p:blipFill rotWithShape="1">
-          <a:blip r:embed="rId6"/>
-          <a:srcRect l="22445" r="25892"/>
-          <a:stretch/>
-        </p:blipFill>
-        <p:spPr>
-          <a:xfrm>
-            <a:off x="6178403" y="328603"/>
-            <a:ext cx="3140765" cy="4071178"/>
-          </a:xfrm>
-          <a:prstGeom prst="rect">
-            <a:avLst/>
-          </a:prstGeom>
-        </p:spPr>
-      </p:pic>
-      <p:pic>
-        <p:nvPicPr>
-          <p:cNvPr id="4" name="water">
-            <a:hlinkClick r:id="" action="ppaction://media"/>
-          </p:cNvPr>
-          <p:cNvPicPr>
-            <a:picLocks noChangeAspect="1"/>
-          </p:cNvPicPr>
-          <p:nvPr>
-            <a:videoFile r:link="rId4"/>
-            <p:extLst>
-              <p:ext uri="{DAA4B4D4-6D71-4841-9C94-3DE7FCFB9230}">
-                <p14:media xmlns:p14="http://schemas.microsoft.com/office/powerpoint/2010/main" r:embed="rId3"/>
-              </p:ext>
-            </p:extLst>
-          </p:nvPr>
-        </p:nvPicPr>
-        <p:blipFill rotWithShape="1">
-          <a:blip r:embed="rId7"/>
-          <a:srcRect l="24974" r="18133"/>
-          <a:stretch/>
-        </p:blipFill>
-        <p:spPr>
-          <a:xfrm>
-            <a:off x="2636759" y="330096"/>
-            <a:ext cx="3130826" cy="4069685"/>
-          </a:xfrm>
-          <a:prstGeom prst="rect">
-            <a:avLst/>
-          </a:prstGeom>
-        </p:spPr>
-      </p:pic>
       <p:graphicFrame>
         <p:nvGraphicFramePr>
-          <p:cNvPr id="7" name="表 6"/>
+          <p:cNvPr id="2" name="表 1"/>
           <p:cNvGraphicFramePr>
             <a:graphicFrameLocks noGrp="1"/>
           </p:cNvGraphicFramePr>
           <p:nvPr>
             <p:extLst>
               <p:ext uri="{D42A27DB-BD31-4B8C-83A1-F6EECF244321}">
-                <p14:modId xmlns:p14="http://schemas.microsoft.com/office/powerpoint/2010/main" val="3877166579"/>
+                <p14:modId xmlns:p14="http://schemas.microsoft.com/office/powerpoint/2010/main" val="393033599"/>
               </p:ext>
             </p:extLst>
           </p:nvPr>
         </p:nvGraphicFramePr>
         <p:xfrm>
-          <a:off x="516835" y="4512366"/>
-          <a:ext cx="8802333" cy="2278784"/>
+          <a:off x="496957" y="4114801"/>
+          <a:ext cx="8802333" cy="2644544"/>
         </p:xfrm>
         <a:graphic>
           <a:graphicData uri="http://schemas.openxmlformats.org/drawingml/2006/table">
             <a:tbl>
               <a:tblPr firstRow="1" bandRow="1">
-                <a:tableStyleId>{5C22544A-7EE6-4342-B048-85BDC9FD1C3A}</a:tableStyleId>
+                <a:tableStyleId>{F5AB1C69-6EDB-4FF4-983F-18BD219EF322}</a:tableStyleId>
               </a:tblPr>
               <a:tblGrid>
-                <a:gridCol w="2117035"/>
-                <a:gridCol w="3329608"/>
+                <a:gridCol w="2435086"/>
+                <a:gridCol w="3011557"/>
                 <a:gridCol w="3355690"/>
               </a:tblGrid>
               <a:tr h="424584">
@@ -3497,8 +3402,12 @@
                     <a:p>
                       <a:pPr algn="ctr"/>
                       <a:r>
-                        <a:rPr kumimoji="1" lang="en-US" altLang="ja-JP" dirty="0" smtClean="0"/>
+                        <a:rPr kumimoji="1" lang="en-US" altLang="ja-JP" smtClean="0"/>
                         <a:t>Ethanol</a:t>
+                      </a:r>
+                      <a:r>
+                        <a:rPr kumimoji="1" lang="en-US" altLang="ja-JP" baseline="0" smtClean="0"/>
+                        <a:t> (60wt%)</a:t>
                       </a:r>
                       <a:endParaRPr kumimoji="1" lang="ja-JP" altLang="en-US" dirty="0"/>
                     </a:p>
@@ -3653,7 +3562,7 @@
                   <a:tcPr/>
                 </a:tc>
               </a:tr>
-              <a:tr h="370840">
+              <a:tr h="0">
                 <a:tc>
                   <a:txBody>
                     <a:bodyPr/>
@@ -3725,7 +3634,19 @@
                       </a:r>
                       <a:r>
                         <a:rPr kumimoji="1" lang="en-US" altLang="ja-JP" baseline="0" dirty="0" smtClean="0"/>
-                        <a:t> Step</a:t>
+                        <a:t> </a:t>
+                      </a:r>
+                      <a:r>
+                        <a:rPr kumimoji="1" lang="en-US" altLang="ja-JP" baseline="0" dirty="0" smtClean="0"/>
+                        <a:t>Step</a:t>
+                      </a:r>
+                      <a:r>
+                        <a:rPr kumimoji="1" lang="ja-JP" altLang="en-US" baseline="0" dirty="0" smtClean="0"/>
+                        <a:t> </a:t>
+                      </a:r>
+                      <a:r>
+                        <a:rPr kumimoji="1" lang="en-US" altLang="ja-JP" baseline="0" dirty="0" smtClean="0"/>
+                        <a:t>[s]</a:t>
                       </a:r>
                       <a:endParaRPr kumimoji="1" lang="ja-JP" altLang="en-US" dirty="0"/>
                     </a:p>
@@ -3763,14 +3684,209 @@
                   <a:tcPr/>
                 </a:tc>
               </a:tr>
+              <a:tr h="370840">
+                <a:tc>
+                  <a:txBody>
+                    <a:bodyPr/>
+                    <a:lstStyle/>
+                    <a:p>
+                      <a:pPr algn="ctr"/>
+                      <a:r>
+                        <a:rPr kumimoji="1" lang="ja-JP" altLang="en-US" dirty="0" smtClean="0"/>
+                        <a:t>計算時間（</a:t>
+                      </a:r>
+                      <a:r>
+                        <a:rPr kumimoji="1" lang="en-US" altLang="ja-JP" dirty="0" smtClean="0"/>
+                        <a:t>0.004s</a:t>
+                      </a:r>
+                      <a:r>
+                        <a:rPr kumimoji="1" lang="ja-JP" altLang="en-US" dirty="0" smtClean="0"/>
+                        <a:t>ぶん）</a:t>
+                      </a:r>
+                      <a:endParaRPr kumimoji="1" lang="ja-JP" altLang="en-US" dirty="0"/>
+                    </a:p>
+                  </a:txBody>
+                  <a:tcPr/>
+                </a:tc>
+                <a:tc>
+                  <a:txBody>
+                    <a:bodyPr/>
+                    <a:lstStyle/>
+                    <a:p>
+                      <a:pPr algn="ctr"/>
+                      <a:r>
+                        <a:rPr kumimoji="1" lang="en-US" altLang="ja-JP" dirty="0" smtClean="0"/>
+                        <a:t>13h4m</a:t>
+                      </a:r>
+                      <a:endParaRPr kumimoji="1" lang="ja-JP" altLang="en-US" dirty="0"/>
+                    </a:p>
+                  </a:txBody>
+                  <a:tcPr/>
+                </a:tc>
+                <a:tc>
+                  <a:txBody>
+                    <a:bodyPr/>
+                    <a:lstStyle/>
+                    <a:p>
+                      <a:pPr algn="ctr"/>
+                      <a:r>
+                        <a:rPr kumimoji="1" lang="en-US" altLang="ja-JP" dirty="0" smtClean="0"/>
+                        <a:t>25h12m</a:t>
+                      </a:r>
+                      <a:endParaRPr kumimoji="1" lang="ja-JP" altLang="en-US" dirty="0"/>
+                    </a:p>
+                  </a:txBody>
+                  <a:tcPr/>
+                </a:tc>
+              </a:tr>
             </a:tbl>
           </a:graphicData>
         </a:graphic>
       </p:graphicFrame>
+      <p:pic>
+        <p:nvPicPr>
+          <p:cNvPr id="3" name="ethanol">
+            <a:hlinkClick r:id="" action="ppaction://media"/>
+          </p:cNvPr>
+          <p:cNvPicPr>
+            <a:picLocks noChangeAspect="1"/>
+          </p:cNvPicPr>
+          <p:nvPr>
+            <a:videoFile r:link="rId2"/>
+            <p:extLst>
+              <p:ext uri="{DAA4B4D4-6D71-4841-9C94-3DE7FCFB9230}">
+                <p14:media xmlns:p14="http://schemas.microsoft.com/office/powerpoint/2010/main" r:embed="rId1"/>
+              </p:ext>
+            </p:extLst>
+          </p:nvPr>
+        </p:nvPicPr>
+        <p:blipFill rotWithShape="1">
+          <a:blip r:embed="rId6"/>
+          <a:srcRect l="25081" r="25778"/>
+          <a:stretch/>
+        </p:blipFill>
+        <p:spPr>
+          <a:xfrm>
+            <a:off x="6505339" y="49732"/>
+            <a:ext cx="2562462" cy="3856346"/>
+          </a:xfrm>
+          <a:prstGeom prst="rect">
+            <a:avLst/>
+          </a:prstGeom>
+        </p:spPr>
+      </p:pic>
+      <p:pic>
+        <p:nvPicPr>
+          <p:cNvPr id="4" name="water">
+            <a:hlinkClick r:id="" action="ppaction://media"/>
+          </p:cNvPr>
+          <p:cNvPicPr>
+            <a:picLocks noChangeAspect="1"/>
+          </p:cNvPicPr>
+          <p:nvPr>
+            <a:videoFile r:link="rId4"/>
+            <p:extLst>
+              <p:ext uri="{DAA4B4D4-6D71-4841-9C94-3DE7FCFB9230}">
+                <p14:media xmlns:p14="http://schemas.microsoft.com/office/powerpoint/2010/main" r:embed="rId3"/>
+              </p:ext>
+            </p:extLst>
+          </p:nvPr>
+        </p:nvPicPr>
+        <p:blipFill rotWithShape="1">
+          <a:blip r:embed="rId6"/>
+          <a:srcRect l="25202" r="25900"/>
+          <a:stretch/>
+        </p:blipFill>
+        <p:spPr>
+          <a:xfrm>
+            <a:off x="2924622" y="49127"/>
+            <a:ext cx="2550207" cy="3856951"/>
+          </a:xfrm>
+          <a:prstGeom prst="rect">
+            <a:avLst/>
+          </a:prstGeom>
+        </p:spPr>
+      </p:pic>
+      <p:sp>
+        <p:nvSpPr>
+          <p:cNvPr id="5" name="テキスト ボックス 4"/>
+          <p:cNvSpPr txBox="1"/>
+          <p:nvPr/>
+        </p:nvSpPr>
+        <p:spPr>
+          <a:xfrm>
+            <a:off x="9551797" y="2663688"/>
+            <a:ext cx="2441713" cy="830997"/>
+          </a:xfrm>
+          <a:prstGeom prst="rect">
+            <a:avLst/>
+          </a:prstGeom>
+          <a:noFill/>
+        </p:spPr>
+        <p:txBody>
+          <a:bodyPr wrap="square" rtlCol="0">
+            <a:spAutoFit/>
+          </a:bodyPr>
+          <a:lstStyle/>
+          <a:p>
+            <a:r>
+              <a:rPr kumimoji="1" lang="en-US" altLang="ja-JP" sz="2400" dirty="0" smtClean="0"/>
+              <a:t>Cell size length</a:t>
+            </a:r>
+          </a:p>
+          <a:p>
+            <a:r>
+              <a:rPr kumimoji="1" lang="en-US" altLang="ja-JP" sz="2400" dirty="0" smtClean="0"/>
+              <a:t>= 0.1 </a:t>
+            </a:r>
+            <a:r>
+              <a:rPr kumimoji="1" lang="en-US" altLang="ja-JP" sz="2400" dirty="0" err="1" smtClean="0"/>
+              <a:t>μm</a:t>
+            </a:r>
+            <a:endParaRPr kumimoji="1" lang="ja-JP" altLang="en-US" sz="2400" dirty="0"/>
+          </a:p>
+        </p:txBody>
+      </p:sp>
+      <p:sp>
+        <p:nvSpPr>
+          <p:cNvPr id="6" name="テキスト ボックス 5"/>
+          <p:cNvSpPr txBox="1"/>
+          <p:nvPr/>
+        </p:nvSpPr>
+        <p:spPr>
+          <a:xfrm>
+            <a:off x="9551797" y="1733300"/>
+            <a:ext cx="2441713" cy="830997"/>
+          </a:xfrm>
+          <a:prstGeom prst="rect">
+            <a:avLst/>
+          </a:prstGeom>
+          <a:noFill/>
+        </p:spPr>
+        <p:txBody>
+          <a:bodyPr wrap="square" rtlCol="0">
+            <a:spAutoFit/>
+          </a:bodyPr>
+          <a:lstStyle/>
+          <a:p>
+            <a:r>
+              <a:rPr kumimoji="1" lang="en-US" altLang="ja-JP" sz="2400" dirty="0" smtClean="0"/>
+              <a:t>Time</a:t>
+            </a:r>
+          </a:p>
+          <a:p>
+            <a:r>
+              <a:rPr lang="en-US" altLang="ja-JP" sz="2400" dirty="0" smtClean="0"/>
+              <a:t>= 0.004s</a:t>
+            </a:r>
+            <a:endParaRPr kumimoji="1" lang="ja-JP" altLang="en-US" sz="2400" dirty="0"/>
+          </a:p>
+        </p:txBody>
+      </p:sp>
     </p:spTree>
     <p:extLst>
       <p:ext uri="{BB962C8B-B14F-4D97-AF65-F5344CB8AC3E}">
-        <p14:creationId xmlns:p14="http://schemas.microsoft.com/office/powerpoint/2010/main" val="369002101"/>
+        <p14:creationId xmlns:p14="http://schemas.microsoft.com/office/powerpoint/2010/main" val="690903216"/>
       </p:ext>
     </p:extLst>
   </p:cSld>
@@ -3808,9 +3924,9 @@
                                   <p:childTnLst>
                                     <p:cmd type="call" cmd="playFrom(0.0)">
                                       <p:cBhvr>
-                                        <p:cTn id="6" dur="10100" fill="hold"/>
+                                        <p:cTn id="6" dur="10250" fill="hold"/>
                                         <p:tgtEl>
-                                          <p:spTgt spid="4"/>
+                                          <p:spTgt spid="3"/>
                                         </p:tgtEl>
                                       </p:cBhvr>
                                     </p:cmd>
@@ -3825,9 +3941,9 @@
                                   <p:childTnLst>
                                     <p:cmd type="call" cmd="playFrom(0.0)">
                                       <p:cBhvr>
-                                        <p:cTn id="8" dur="10333" fill="hold"/>
+                                        <p:cTn id="8" dur="10100" fill="hold"/>
                                         <p:tgtEl>
-                                          <p:spTgt spid="2"/>
+                                          <p:spTgt spid="4"/>
                                         </p:tgtEl>
                                       </p:cBhvr>
                                     </p:cmd>
@@ -3865,7 +3981,7 @@
                   </p:stCondLst>
                 </p:cTn>
                 <p:tgtEl>
-                  <p:spTgt spid="4"/>
+                  <p:spTgt spid="3"/>
                 </p:tgtEl>
               </p:cMediaNode>
             </p:video>
@@ -3874,7 +3990,7 @@
                 <p:stCondLst>
                   <p:cond evt="onClick" delay="0">
                     <p:tgtEl>
-                      <p:spTgt spid="4"/>
+                      <p:spTgt spid="3"/>
                     </p:tgtEl>
                   </p:cond>
                 </p:stCondLst>
@@ -3904,6 +4020,76 @@
                                       <p:cBhvr>
                                         <p:cTn id="14" dur="1" fill="hold"/>
                                         <p:tgtEl>
+                                          <p:spTgt spid="3"/>
+                                        </p:tgtEl>
+                                      </p:cBhvr>
+                                    </p:cmd>
+                                  </p:childTnLst>
+                                </p:cTn>
+                              </p:par>
+                            </p:childTnLst>
+                          </p:cTn>
+                        </p:par>
+                      </p:childTnLst>
+                    </p:cTn>
+                  </p:par>
+                </p:childTnLst>
+              </p:cTn>
+              <p:nextCondLst>
+                <p:cond evt="onClick" delay="0">
+                  <p:tgtEl>
+                    <p:spTgt spid="3"/>
+                  </p:tgtEl>
+                </p:cond>
+              </p:nextCondLst>
+            </p:seq>
+            <p:video>
+              <p:cMediaNode vol="80000">
+                <p:cTn id="15" repeatCount="indefinite" fill="hold" display="0">
+                  <p:stCondLst>
+                    <p:cond delay="indefinite"/>
+                  </p:stCondLst>
+                </p:cTn>
+                <p:tgtEl>
+                  <p:spTgt spid="4"/>
+                </p:tgtEl>
+              </p:cMediaNode>
+            </p:video>
+            <p:seq concurrent="1" nextAc="seek">
+              <p:cTn id="16" restart="whenNotActive" fill="hold" evtFilter="cancelBubble" nodeType="interactiveSeq">
+                <p:stCondLst>
+                  <p:cond evt="onClick" delay="0">
+                    <p:tgtEl>
+                      <p:spTgt spid="4"/>
+                    </p:tgtEl>
+                  </p:cond>
+                </p:stCondLst>
+                <p:endSync evt="end" delay="0">
+                  <p:rtn val="all"/>
+                </p:endSync>
+                <p:childTnLst>
+                  <p:par>
+                    <p:cTn id="17" fill="hold">
+                      <p:stCondLst>
+                        <p:cond delay="0"/>
+                      </p:stCondLst>
+                      <p:childTnLst>
+                        <p:par>
+                          <p:cTn id="18" fill="hold">
+                            <p:stCondLst>
+                              <p:cond delay="0"/>
+                            </p:stCondLst>
+                            <p:childTnLst>
+                              <p:par>
+                                <p:cTn id="19" presetID="2" presetClass="mediacall" presetSubtype="0" fill="hold" nodeType="clickEffect">
+                                  <p:stCondLst>
+                                    <p:cond delay="0"/>
+                                  </p:stCondLst>
+                                  <p:childTnLst>
+                                    <p:cmd type="call" cmd="togglePause">
+                                      <p:cBhvr>
+                                        <p:cTn id="20" dur="1" fill="hold"/>
+                                        <p:tgtEl>
                                           <p:spTgt spid="4"/>
                                         </p:tgtEl>
                                       </p:cBhvr>
@@ -3927,78 +4113,240 @@
                 </p:cond>
               </p:nextCondLst>
             </p:seq>
-            <p:video>
-              <p:cMediaNode vol="80000">
-                <p:cTn id="15" repeatCount="indefinite" fill="hold" display="0">
-                  <p:stCondLst>
-                    <p:cond delay="indefinite"/>
-                  </p:stCondLst>
-                </p:cTn>
-                <p:tgtEl>
-                  <p:spTgt spid="2"/>
-                </p:tgtEl>
-              </p:cMediaNode>
-            </p:video>
-            <p:seq concurrent="1" nextAc="seek">
-              <p:cTn id="16" restart="whenNotActive" fill="hold" evtFilter="cancelBubble" nodeType="interactiveSeq">
-                <p:stCondLst>
-                  <p:cond evt="onClick" delay="0">
-                    <p:tgtEl>
-                      <p:spTgt spid="2"/>
-                    </p:tgtEl>
-                  </p:cond>
-                </p:stCondLst>
-                <p:endSync evt="end" delay="0">
-                  <p:rtn val="all"/>
-                </p:endSync>
-                <p:childTnLst>
-                  <p:par>
-                    <p:cTn id="17" fill="hold">
-                      <p:stCondLst>
-                        <p:cond delay="0"/>
-                      </p:stCondLst>
-                      <p:childTnLst>
-                        <p:par>
-                          <p:cTn id="18" fill="hold">
-                            <p:stCondLst>
-                              <p:cond delay="0"/>
-                            </p:stCondLst>
-                            <p:childTnLst>
-                              <p:par>
-                                <p:cTn id="19" presetID="2" presetClass="mediacall" presetSubtype="0" fill="hold" nodeType="withEffect">
-                                  <p:stCondLst>
-                                    <p:cond delay="0"/>
-                                  </p:stCondLst>
-                                  <p:childTnLst>
-                                    <p:cmd type="call" cmd="togglePause">
-                                      <p:cBhvr>
-                                        <p:cTn id="20" dur="1" fill="hold"/>
-                                        <p:tgtEl>
-                                          <p:spTgt spid="2"/>
-                                        </p:tgtEl>
-                                      </p:cBhvr>
-                                    </p:cmd>
-                                  </p:childTnLst>
-                                </p:cTn>
-                              </p:par>
-                            </p:childTnLst>
-                          </p:cTn>
-                        </p:par>
-                      </p:childTnLst>
-                    </p:cTn>
-                  </p:par>
-                </p:childTnLst>
-              </p:cTn>
-              <p:nextCondLst>
-                <p:cond evt="onClick" delay="0">
-                  <p:tgtEl>
-                    <p:spTgt spid="2"/>
-                  </p:tgtEl>
-                </p:cond>
-              </p:nextCondLst>
-            </p:seq>
           </p:childTnLst>
         </p:cTn>
+      </p:par>
+    </p:tnLst>
+  </p:timing>
+</p:sld>
+</file>
+
+<file path=ppt/slides/slide3.xml><?xml version="1.0" encoding="utf-8"?>
+<p:sld xmlns:a="http://schemas.openxmlformats.org/drawingml/2006/main" xmlns:r="http://schemas.openxmlformats.org/officeDocument/2006/relationships" xmlns:p="http://schemas.openxmlformats.org/presentationml/2006/main">
+  <p:cSld>
+    <p:spTree>
+      <p:nvGrpSpPr>
+        <p:cNvPr id="1" name=""/>
+        <p:cNvGrpSpPr/>
+        <p:nvPr/>
+      </p:nvGrpSpPr>
+      <p:grpSpPr>
+        <a:xfrm>
+          <a:off x="0" y="0"/>
+          <a:ext cx="0" cy="0"/>
+          <a:chOff x="0" y="0"/>
+          <a:chExt cx="0" cy="0"/>
+        </a:xfrm>
+      </p:grpSpPr>
+      <p:sp>
+        <p:nvSpPr>
+          <p:cNvPr id="2" name="タイトル 1"/>
+          <p:cNvSpPr>
+            <a:spLocks noGrp="1"/>
+          </p:cNvSpPr>
+          <p:nvPr>
+            <p:ph type="title"/>
+          </p:nvPr>
+        </p:nvSpPr>
+        <p:spPr/>
+        <p:txBody>
+          <a:bodyPr/>
+          <a:lstStyle/>
+          <a:p>
+            <a:endParaRPr kumimoji="1" lang="ja-JP" altLang="en-US"/>
+          </a:p>
+        </p:txBody>
+      </p:sp>
+      <p:sp>
+        <p:nvSpPr>
+          <p:cNvPr id="3" name="コンテンツ プレースホルダー 2"/>
+          <p:cNvSpPr>
+            <a:spLocks noGrp="1"/>
+          </p:cNvSpPr>
+          <p:nvPr>
+            <p:ph idx="1"/>
+          </p:nvPr>
+        </p:nvSpPr>
+        <p:spPr/>
+        <p:txBody>
+          <a:bodyPr/>
+          <a:lstStyle/>
+          <a:p>
+            <a:r>
+              <a:rPr kumimoji="1" lang="ja-JP" altLang="en-US" dirty="0" smtClean="0"/>
+              <a:t>水は最上層の個体粒子に付着。下層に落下してはいかなかった。</a:t>
+            </a:r>
+            <a:endParaRPr kumimoji="1" lang="en-US" altLang="ja-JP" dirty="0" smtClean="0"/>
+          </a:p>
+          <a:p>
+            <a:endParaRPr lang="en-US" altLang="ja-JP" dirty="0"/>
+          </a:p>
+          <a:p>
+            <a:r>
+              <a:rPr kumimoji="1" lang="ja-JP" altLang="en-US" dirty="0" smtClean="0"/>
+              <a:t>エタノールは固体粒子にほとんど付着せず、</a:t>
+            </a:r>
+            <a:endParaRPr kumimoji="1" lang="en-US" altLang="ja-JP" dirty="0" smtClean="0"/>
+          </a:p>
+          <a:p>
+            <a:endParaRPr lang="en-US" altLang="ja-JP" dirty="0"/>
+          </a:p>
+          <a:p>
+            <a:endParaRPr kumimoji="1" lang="ja-JP" altLang="en-US" dirty="0"/>
+          </a:p>
+        </p:txBody>
+      </p:sp>
+    </p:spTree>
+    <p:extLst>
+      <p:ext uri="{BB962C8B-B14F-4D97-AF65-F5344CB8AC3E}">
+        <p14:creationId xmlns:p14="http://schemas.microsoft.com/office/powerpoint/2010/main" val="4191341822"/>
+      </p:ext>
+    </p:extLst>
+  </p:cSld>
+  <p:clrMapOvr>
+    <a:masterClrMapping/>
+  </p:clrMapOvr>
+  <p:timing>
+    <p:tnLst>
+      <p:par>
+        <p:cTn id="1" dur="indefinite" restart="never" nodeType="tmRoot"/>
+      </p:par>
+    </p:tnLst>
+  </p:timing>
+</p:sld>
+</file>
+
+<file path=ppt/slides/slide4.xml><?xml version="1.0" encoding="utf-8"?>
+<p:sld xmlns:a="http://schemas.openxmlformats.org/drawingml/2006/main" xmlns:r="http://schemas.openxmlformats.org/officeDocument/2006/relationships" xmlns:p="http://schemas.openxmlformats.org/presentationml/2006/main">
+  <p:cSld>
+    <p:spTree>
+      <p:nvGrpSpPr>
+        <p:cNvPr id="1" name=""/>
+        <p:cNvGrpSpPr/>
+        <p:nvPr/>
+      </p:nvGrpSpPr>
+      <p:grpSpPr>
+        <a:xfrm>
+          <a:off x="0" y="0"/>
+          <a:ext cx="0" cy="0"/>
+          <a:chOff x="0" y="0"/>
+          <a:chExt cx="0" cy="0"/>
+        </a:xfrm>
+      </p:grpSpPr>
+      <p:sp>
+        <p:nvSpPr>
+          <p:cNvPr id="2" name="タイトル 1"/>
+          <p:cNvSpPr>
+            <a:spLocks noGrp="1"/>
+          </p:cNvSpPr>
+          <p:nvPr>
+            <p:ph type="title"/>
+          </p:nvPr>
+        </p:nvSpPr>
+        <p:spPr/>
+        <p:txBody>
+          <a:bodyPr/>
+          <a:lstStyle/>
+          <a:p>
+            <a:r>
+              <a:rPr kumimoji="1" lang="en-US" altLang="ja-JP" dirty="0" smtClean="0"/>
+              <a:t>Cell Size Length :  2μm =&gt; 1μm</a:t>
+            </a:r>
+            <a:endParaRPr kumimoji="1" lang="ja-JP" altLang="en-US" dirty="0"/>
+          </a:p>
+        </p:txBody>
+      </p:sp>
+      <p:sp>
+        <p:nvSpPr>
+          <p:cNvPr id="3" name="コンテンツ プレースホルダー 2"/>
+          <p:cNvSpPr>
+            <a:spLocks noGrp="1"/>
+          </p:cNvSpPr>
+          <p:nvPr>
+            <p:ph idx="1"/>
+          </p:nvPr>
+        </p:nvSpPr>
+        <p:spPr/>
+        <p:txBody>
+          <a:bodyPr/>
+          <a:lstStyle/>
+          <a:p>
+            <a:r>
+              <a:rPr kumimoji="1" lang="en-US" altLang="ja-JP" dirty="0" err="1" smtClean="0"/>
+              <a:t>TimeStep</a:t>
+            </a:r>
+            <a:r>
+              <a:rPr kumimoji="1" lang="en-US" altLang="ja-JP" dirty="0" smtClean="0"/>
+              <a:t> : 0.5e-7s =&gt; 0.125e-7s</a:t>
+            </a:r>
+          </a:p>
+          <a:p>
+            <a:endParaRPr lang="en-US" altLang="ja-JP" dirty="0"/>
+          </a:p>
+          <a:p>
+            <a:r>
+              <a:rPr lang="ja-JP" altLang="en-US" dirty="0"/>
+              <a:t>計算</a:t>
+            </a:r>
+            <a:r>
+              <a:rPr lang="ja-JP" altLang="en-US" dirty="0" smtClean="0"/>
+              <a:t>時間</a:t>
+            </a:r>
+            <a:r>
+              <a:rPr lang="en-US" altLang="ja-JP" dirty="0" smtClean="0"/>
+              <a:t>(0.004s</a:t>
+            </a:r>
+            <a:r>
+              <a:rPr lang="ja-JP" altLang="en-US" dirty="0" smtClean="0"/>
+              <a:t>ぶん</a:t>
+            </a:r>
+            <a:r>
+              <a:rPr lang="en-US" altLang="ja-JP" dirty="0" smtClean="0"/>
+              <a:t>)</a:t>
+            </a:r>
+            <a:r>
+              <a:rPr kumimoji="1" lang="en-US" altLang="ja-JP" dirty="0" smtClean="0"/>
+              <a:t> : 25h =&gt; 100h</a:t>
+            </a:r>
+          </a:p>
+          <a:p>
+            <a:endParaRPr lang="en-US" altLang="ja-JP" dirty="0"/>
+          </a:p>
+          <a:p>
+            <a:r>
+              <a:rPr kumimoji="1" lang="en-US" altLang="ja-JP" dirty="0" smtClean="0"/>
+              <a:t>1</a:t>
+            </a:r>
+            <a:r>
+              <a:rPr kumimoji="1" lang="ja-JP" altLang="en-US" dirty="0" smtClean="0"/>
+              <a:t>ケースに</a:t>
+            </a:r>
+            <a:r>
+              <a:rPr kumimoji="1" lang="en-US" altLang="ja-JP" dirty="0" smtClean="0"/>
+              <a:t>4</a:t>
+            </a:r>
+            <a:r>
+              <a:rPr kumimoji="1" lang="ja-JP" altLang="en-US" dirty="0" smtClean="0"/>
+              <a:t>日</a:t>
+            </a:r>
+            <a:endParaRPr kumimoji="1" lang="ja-JP" altLang="en-US" dirty="0"/>
+          </a:p>
+        </p:txBody>
+      </p:sp>
+    </p:spTree>
+    <p:extLst>
+      <p:ext uri="{BB962C8B-B14F-4D97-AF65-F5344CB8AC3E}">
+        <p14:creationId xmlns:p14="http://schemas.microsoft.com/office/powerpoint/2010/main" val="2903643970"/>
+      </p:ext>
+    </p:extLst>
+  </p:cSld>
+  <p:clrMapOvr>
+    <a:masterClrMapping/>
+  </p:clrMapOvr>
+  <p:timing>
+    <p:tnLst>
+      <p:par>
+        <p:cTn id="1" dur="indefinite" restart="never" nodeType="tmRoot"/>
       </p:par>
     </p:tnLst>
   </p:timing>

--- a/Ethanol-drop.pptx
+++ b/Ethanol-drop.pptx
@@ -3348,7 +3348,7 @@
           <p:nvPr>
             <p:extLst>
               <p:ext uri="{D42A27DB-BD31-4B8C-83A1-F6EECF244321}">
-                <p14:modId xmlns:p14="http://schemas.microsoft.com/office/powerpoint/2010/main" val="393033599"/>
+                <p14:modId xmlns:p14="http://schemas.microsoft.com/office/powerpoint/2010/main" val="2899320977"/>
               </p:ext>
             </p:extLst>
           </p:nvPr>
@@ -3523,8 +3523,12 @@
                     <a:p>
                       <a:pPr algn="ctr"/>
                       <a:r>
-                        <a:rPr kumimoji="1" lang="ja-JP" altLang="en-US" dirty="0" smtClean="0"/>
-                        <a:t>表面張力係数</a:t>
+                        <a:rPr kumimoji="1" lang="ja-JP" altLang="en-US" smtClean="0"/>
+                        <a:t>表面</a:t>
+                      </a:r>
+                      <a:r>
+                        <a:rPr kumimoji="1" lang="ja-JP" altLang="en-US" smtClean="0"/>
+                        <a:t>張力</a:t>
                       </a:r>
                       <a:endParaRPr kumimoji="1" lang="ja-JP" altLang="en-US" dirty="0"/>
                     </a:p>
@@ -3634,11 +3638,7 @@
                       </a:r>
                       <a:r>
                         <a:rPr kumimoji="1" lang="en-US" altLang="ja-JP" baseline="0" dirty="0" smtClean="0"/>
-                        <a:t> </a:t>
-                      </a:r>
-                      <a:r>
-                        <a:rPr kumimoji="1" lang="en-US" altLang="ja-JP" baseline="0" dirty="0" smtClean="0"/>
-                        <a:t>Step</a:t>
+                        <a:t> Step</a:t>
                       </a:r>
                       <a:r>
                         <a:rPr kumimoji="1" lang="ja-JP" altLang="en-US" baseline="0" dirty="0" smtClean="0"/>

--- a/Ethanol-drop.pptx
+++ b/Ethanol-drop.pptx
@@ -3348,7 +3348,7 @@
           <p:nvPr>
             <p:extLst>
               <p:ext uri="{D42A27DB-BD31-4B8C-83A1-F6EECF244321}">
-                <p14:modId xmlns:p14="http://schemas.microsoft.com/office/powerpoint/2010/main" val="2899320977"/>
+                <p14:modId xmlns:p14="http://schemas.microsoft.com/office/powerpoint/2010/main" val="2843932342"/>
               </p:ext>
             </p:extLst>
           </p:nvPr>
@@ -3388,7 +3388,7 @@
                       <a:pPr algn="ctr"/>
                       <a:r>
                         <a:rPr kumimoji="1" lang="en-US" altLang="ja-JP" dirty="0" smtClean="0"/>
-                        <a:t>Water</a:t>
+                        <a:t>-</a:t>
                       </a:r>
                       <a:endParaRPr kumimoji="1" lang="ja-JP" altLang="en-US" dirty="0"/>
                     </a:p>
@@ -3524,11 +3524,7 @@
                       <a:pPr algn="ctr"/>
                       <a:r>
                         <a:rPr kumimoji="1" lang="ja-JP" altLang="en-US" smtClean="0"/>
-                        <a:t>表面</a:t>
-                      </a:r>
-                      <a:r>
-                        <a:rPr kumimoji="1" lang="ja-JP" altLang="en-US" smtClean="0"/>
-                        <a:t>張力</a:t>
+                        <a:t>表面張力</a:t>
                       </a:r>
                       <a:endParaRPr kumimoji="1" lang="ja-JP" altLang="en-US" dirty="0"/>
                     </a:p>
@@ -3542,7 +3538,7 @@
                     <a:p>
                       <a:pPr algn="ctr"/>
                       <a:r>
-                        <a:rPr kumimoji="1" lang="en-US" altLang="ja-JP" dirty="0" smtClean="0"/>
+                        <a:rPr kumimoji="1" lang="en-US" altLang="ja-JP" smtClean="0"/>
                         <a:t>0.01</a:t>
                       </a:r>
                       <a:endParaRPr kumimoji="1" lang="ja-JP" altLang="en-US" dirty="0"/>

--- a/Ethanol-drop.pptx
+++ b/Ethanol-drop.pptx
@@ -3348,7 +3348,7 @@
           <p:nvPr>
             <p:extLst>
               <p:ext uri="{D42A27DB-BD31-4B8C-83A1-F6EECF244321}">
-                <p14:modId xmlns:p14="http://schemas.microsoft.com/office/powerpoint/2010/main" val="2843932342"/>
+                <p14:modId xmlns:p14="http://schemas.microsoft.com/office/powerpoint/2010/main" val="3651302608"/>
               </p:ext>
             </p:extLst>
           </p:nvPr>
@@ -3614,6 +3614,14 @@
                       <a:r>
                         <a:rPr kumimoji="1" lang="en-US" altLang="ja-JP" dirty="0" smtClean="0"/>
                         <a:t>30</a:t>
+                      </a:r>
+                      <a:r>
+                        <a:rPr kumimoji="1" lang="ja-JP" altLang="en-US" dirty="0" smtClean="0"/>
+                        <a:t>（正確な値でない</a:t>
+                      </a:r>
+                      <a:r>
+                        <a:rPr kumimoji="1" lang="en-US" altLang="ja-JP" smtClean="0"/>
+                        <a:t>)</a:t>
                       </a:r>
                       <a:endParaRPr kumimoji="1" lang="ja-JP" altLang="en-US" dirty="0"/>
                     </a:p>

--- a/Ethanol-drop.pptx
+++ b/Ethanol-drop.pptx
@@ -3887,6 +3887,112 @@
           </a:p>
         </p:txBody>
       </p:sp>
+      <p:sp>
+        <p:nvSpPr>
+          <p:cNvPr id="7" name="テキスト ボックス 6"/>
+          <p:cNvSpPr txBox="1"/>
+          <p:nvPr/>
+        </p:nvSpPr>
+        <p:spPr>
+          <a:xfrm>
+            <a:off x="9551796" y="3594076"/>
+            <a:ext cx="2640204" cy="830997"/>
+          </a:xfrm>
+          <a:prstGeom prst="rect">
+            <a:avLst/>
+          </a:prstGeom>
+          <a:noFill/>
+        </p:spPr>
+        <p:txBody>
+          <a:bodyPr wrap="square" rtlCol="0">
+            <a:spAutoFit/>
+          </a:bodyPr>
+          <a:lstStyle/>
+          <a:p>
+            <a:r>
+              <a:rPr kumimoji="1" lang="en-US" altLang="ja-JP" sz="2400" dirty="0" smtClean="0"/>
+              <a:t>Solid </a:t>
+            </a:r>
+            <a:r>
+              <a:rPr kumimoji="1" lang="en-US" altLang="ja-JP" sz="2400" dirty="0" err="1" smtClean="0"/>
+              <a:t>ptcl</a:t>
+            </a:r>
+            <a:r>
+              <a:rPr kumimoji="1" lang="en-US" altLang="ja-JP" sz="2400" dirty="0" smtClean="0"/>
+              <a:t> diameter</a:t>
+            </a:r>
+            <a:endParaRPr kumimoji="1" lang="en-US" altLang="ja-JP" sz="2400" dirty="0" smtClean="0"/>
+          </a:p>
+          <a:p>
+            <a:r>
+              <a:rPr kumimoji="1" lang="en-US" altLang="ja-JP" sz="2400" dirty="0" smtClean="0"/>
+              <a:t>= </a:t>
+            </a:r>
+            <a:r>
+              <a:rPr lang="en-US" altLang="ja-JP" sz="2400" dirty="0" smtClean="0"/>
+              <a:t>40</a:t>
+            </a:r>
+            <a:r>
+              <a:rPr kumimoji="1" lang="en-US" altLang="ja-JP" sz="2400" dirty="0" smtClean="0"/>
+              <a:t> </a:t>
+            </a:r>
+            <a:r>
+              <a:rPr kumimoji="1" lang="en-US" altLang="ja-JP" sz="2400" dirty="0" err="1" smtClean="0"/>
+              <a:t>μm</a:t>
+            </a:r>
+            <a:endParaRPr kumimoji="1" lang="ja-JP" altLang="en-US" sz="2400" dirty="0"/>
+          </a:p>
+        </p:txBody>
+      </p:sp>
+      <p:sp>
+        <p:nvSpPr>
+          <p:cNvPr id="8" name="テキスト ボックス 7"/>
+          <p:cNvSpPr txBox="1"/>
+          <p:nvPr/>
+        </p:nvSpPr>
+        <p:spPr>
+          <a:xfrm>
+            <a:off x="9551796" y="4524464"/>
+            <a:ext cx="2640204" cy="830997"/>
+          </a:xfrm>
+          <a:prstGeom prst="rect">
+            <a:avLst/>
+          </a:prstGeom>
+          <a:noFill/>
+        </p:spPr>
+        <p:txBody>
+          <a:bodyPr wrap="square" rtlCol="0">
+            <a:spAutoFit/>
+          </a:bodyPr>
+          <a:lstStyle/>
+          <a:p>
+            <a:r>
+              <a:rPr kumimoji="1" lang="en-US" altLang="ja-JP" sz="2400" dirty="0" smtClean="0"/>
+              <a:t>Liquid diameter</a:t>
+            </a:r>
+            <a:endParaRPr kumimoji="1" lang="en-US" altLang="ja-JP" sz="2400" dirty="0" smtClean="0"/>
+          </a:p>
+          <a:p>
+            <a:r>
+              <a:rPr kumimoji="1" lang="en-US" altLang="ja-JP" sz="2400" smtClean="0"/>
+              <a:t>= </a:t>
+            </a:r>
+            <a:r>
+              <a:rPr lang="en-US" altLang="ja-JP" sz="2400" smtClean="0"/>
+              <a:t>20</a:t>
+            </a:r>
+            <a:r>
+              <a:rPr kumimoji="1" lang="en-US" altLang="ja-JP" sz="2400" smtClean="0"/>
+              <a:t> </a:t>
+            </a:r>
+            <a:r>
+              <a:rPr kumimoji="1" lang="en-US" altLang="ja-JP" sz="2400" dirty="0" err="1" smtClean="0"/>
+              <a:t>μm</a:t>
+            </a:r>
+            <a:endParaRPr kumimoji="1" lang="ja-JP" altLang="en-US" sz="2400" dirty="0"/>
+          </a:p>
+        </p:txBody>
+      </p:sp>
     </p:spTree>
     <p:extLst>
       <p:ext uri="{BB962C8B-B14F-4D97-AF65-F5344CB8AC3E}">

--- a/Ethanol-drop.pptx
+++ b/Ethanol-drop.pptx
@@ -157,10 +157,9 @@
           </a:lstStyle>
           <a:p>
             <a:r>
-              <a:rPr kumimoji="1" lang="ja-JP" altLang="en-US" smtClean="0"/>
+              <a:rPr kumimoji="1" lang="ja-JP" altLang="en-US"/>
               <a:t>マスター タイトルの書式設定</a:t>
             </a:r>
-            <a:endParaRPr kumimoji="1" lang="ja-JP" altLang="en-US"/>
           </a:p>
         </p:txBody>
       </p:sp>
@@ -222,10 +221,9 @@
           </a:lstStyle>
           <a:p>
             <a:r>
-              <a:rPr kumimoji="1" lang="ja-JP" altLang="en-US" smtClean="0"/>
+              <a:rPr kumimoji="1" lang="ja-JP" altLang="en-US"/>
               <a:t>マスター サブタイトルの書式設定</a:t>
             </a:r>
-            <a:endParaRPr kumimoji="1" lang="ja-JP" altLang="en-US"/>
           </a:p>
         </p:txBody>
       </p:sp>
@@ -340,10 +338,9 @@
           <a:lstStyle/>
           <a:p>
             <a:r>
-              <a:rPr kumimoji="1" lang="ja-JP" altLang="en-US" smtClean="0"/>
+              <a:rPr kumimoji="1" lang="ja-JP" altLang="en-US"/>
               <a:t>マスター タイトルの書式設定</a:t>
             </a:r>
-            <a:endParaRPr kumimoji="1" lang="ja-JP" altLang="en-US"/>
           </a:p>
         </p:txBody>
       </p:sp>
@@ -364,70 +361,69 @@
           <a:p>
             <a:pPr lvl="0"/>
             <a:r>
-              <a:rPr kumimoji="1" lang="ja-JP" altLang="en-US" smtClean="0"/>
+              <a:rPr kumimoji="1" lang="ja-JP" altLang="en-US"/>
               <a:t>マスター テキストの書式設定</a:t>
             </a:r>
           </a:p>
           <a:p>
             <a:pPr lvl="1"/>
             <a:r>
-              <a:rPr kumimoji="1" lang="ja-JP" altLang="en-US" smtClean="0"/>
+              <a:rPr kumimoji="1" lang="ja-JP" altLang="en-US"/>
               <a:t>第 </a:t>
             </a:r>
             <a:r>
-              <a:rPr kumimoji="1" lang="en-US" altLang="ja-JP" smtClean="0"/>
+              <a:rPr kumimoji="1" lang="en-US" altLang="ja-JP"/>
               <a:t>2 </a:t>
             </a:r>
             <a:r>
-              <a:rPr kumimoji="1" lang="ja-JP" altLang="en-US" smtClean="0"/>
+              <a:rPr kumimoji="1" lang="ja-JP" altLang="en-US"/>
               <a:t>レベル</a:t>
             </a:r>
           </a:p>
           <a:p>
             <a:pPr lvl="2"/>
             <a:r>
-              <a:rPr kumimoji="1" lang="ja-JP" altLang="en-US" smtClean="0"/>
+              <a:rPr kumimoji="1" lang="ja-JP" altLang="en-US"/>
               <a:t>第 </a:t>
             </a:r>
             <a:r>
-              <a:rPr kumimoji="1" lang="en-US" altLang="ja-JP" smtClean="0"/>
+              <a:rPr kumimoji="1" lang="en-US" altLang="ja-JP"/>
               <a:t>3 </a:t>
             </a:r>
             <a:r>
-              <a:rPr kumimoji="1" lang="ja-JP" altLang="en-US" smtClean="0"/>
+              <a:rPr kumimoji="1" lang="ja-JP" altLang="en-US"/>
               <a:t>レベル</a:t>
             </a:r>
           </a:p>
           <a:p>
             <a:pPr lvl="3"/>
             <a:r>
-              <a:rPr kumimoji="1" lang="ja-JP" altLang="en-US" smtClean="0"/>
+              <a:rPr kumimoji="1" lang="ja-JP" altLang="en-US"/>
               <a:t>第 </a:t>
             </a:r>
             <a:r>
-              <a:rPr kumimoji="1" lang="en-US" altLang="ja-JP" smtClean="0"/>
+              <a:rPr kumimoji="1" lang="en-US" altLang="ja-JP"/>
               <a:t>4 </a:t>
             </a:r>
             <a:r>
-              <a:rPr kumimoji="1" lang="ja-JP" altLang="en-US" smtClean="0"/>
+              <a:rPr kumimoji="1" lang="ja-JP" altLang="en-US"/>
               <a:t>レベル</a:t>
             </a:r>
           </a:p>
           <a:p>
             <a:pPr lvl="4"/>
             <a:r>
-              <a:rPr kumimoji="1" lang="ja-JP" altLang="en-US" smtClean="0"/>
+              <a:rPr kumimoji="1" lang="ja-JP" altLang="en-US"/>
               <a:t>第 </a:t>
             </a:r>
             <a:r>
-              <a:rPr kumimoji="1" lang="en-US" altLang="ja-JP" smtClean="0"/>
+              <a:rPr kumimoji="1" lang="en-US" altLang="ja-JP"/>
               <a:t>5 </a:t>
             </a:r>
             <a:r>
-              <a:rPr kumimoji="1" lang="ja-JP" altLang="en-US" smtClean="0"/>
+              <a:rPr kumimoji="1" lang="ja-JP" altLang="en-US"/>
               <a:t>レベル</a:t>
             </a:r>
-            <a:endParaRPr kumimoji="1" lang="ja-JP" altLang="en-US"/>
           </a:p>
         </p:txBody>
       </p:sp>
@@ -547,10 +543,9 @@
           <a:lstStyle/>
           <a:p>
             <a:r>
-              <a:rPr kumimoji="1" lang="ja-JP" altLang="en-US" smtClean="0"/>
+              <a:rPr kumimoji="1" lang="ja-JP" altLang="en-US"/>
               <a:t>マスター タイトルの書式設定</a:t>
             </a:r>
-            <a:endParaRPr kumimoji="1" lang="ja-JP" altLang="en-US"/>
           </a:p>
         </p:txBody>
       </p:sp>
@@ -576,70 +571,69 @@
           <a:p>
             <a:pPr lvl="0"/>
             <a:r>
-              <a:rPr kumimoji="1" lang="ja-JP" altLang="en-US" smtClean="0"/>
+              <a:rPr kumimoji="1" lang="ja-JP" altLang="en-US"/>
               <a:t>マスター テキストの書式設定</a:t>
             </a:r>
           </a:p>
           <a:p>
             <a:pPr lvl="1"/>
             <a:r>
-              <a:rPr kumimoji="1" lang="ja-JP" altLang="en-US" smtClean="0"/>
+              <a:rPr kumimoji="1" lang="ja-JP" altLang="en-US"/>
               <a:t>第 </a:t>
             </a:r>
             <a:r>
-              <a:rPr kumimoji="1" lang="en-US" altLang="ja-JP" smtClean="0"/>
+              <a:rPr kumimoji="1" lang="en-US" altLang="ja-JP"/>
               <a:t>2 </a:t>
             </a:r>
             <a:r>
-              <a:rPr kumimoji="1" lang="ja-JP" altLang="en-US" smtClean="0"/>
+              <a:rPr kumimoji="1" lang="ja-JP" altLang="en-US"/>
               <a:t>レベル</a:t>
             </a:r>
           </a:p>
           <a:p>
             <a:pPr lvl="2"/>
             <a:r>
-              <a:rPr kumimoji="1" lang="ja-JP" altLang="en-US" smtClean="0"/>
+              <a:rPr kumimoji="1" lang="ja-JP" altLang="en-US"/>
               <a:t>第 </a:t>
             </a:r>
             <a:r>
-              <a:rPr kumimoji="1" lang="en-US" altLang="ja-JP" smtClean="0"/>
+              <a:rPr kumimoji="1" lang="en-US" altLang="ja-JP"/>
               <a:t>3 </a:t>
             </a:r>
             <a:r>
-              <a:rPr kumimoji="1" lang="ja-JP" altLang="en-US" smtClean="0"/>
+              <a:rPr kumimoji="1" lang="ja-JP" altLang="en-US"/>
               <a:t>レベル</a:t>
             </a:r>
           </a:p>
           <a:p>
             <a:pPr lvl="3"/>
             <a:r>
-              <a:rPr kumimoji="1" lang="ja-JP" altLang="en-US" smtClean="0"/>
+              <a:rPr kumimoji="1" lang="ja-JP" altLang="en-US"/>
               <a:t>第 </a:t>
             </a:r>
             <a:r>
-              <a:rPr kumimoji="1" lang="en-US" altLang="ja-JP" smtClean="0"/>
+              <a:rPr kumimoji="1" lang="en-US" altLang="ja-JP"/>
               <a:t>4 </a:t>
             </a:r>
             <a:r>
-              <a:rPr kumimoji="1" lang="ja-JP" altLang="en-US" smtClean="0"/>
+              <a:rPr kumimoji="1" lang="ja-JP" altLang="en-US"/>
               <a:t>レベル</a:t>
             </a:r>
           </a:p>
           <a:p>
             <a:pPr lvl="4"/>
             <a:r>
-              <a:rPr kumimoji="1" lang="ja-JP" altLang="en-US" smtClean="0"/>
+              <a:rPr kumimoji="1" lang="ja-JP" altLang="en-US"/>
               <a:t>第 </a:t>
             </a:r>
             <a:r>
-              <a:rPr kumimoji="1" lang="en-US" altLang="ja-JP" smtClean="0"/>
+              <a:rPr kumimoji="1" lang="en-US" altLang="ja-JP"/>
               <a:t>5 </a:t>
             </a:r>
             <a:r>
-              <a:rPr kumimoji="1" lang="ja-JP" altLang="en-US" smtClean="0"/>
+              <a:rPr kumimoji="1" lang="ja-JP" altLang="en-US"/>
               <a:t>レベル</a:t>
             </a:r>
-            <a:endParaRPr kumimoji="1" lang="ja-JP" altLang="en-US"/>
           </a:p>
         </p:txBody>
       </p:sp>
@@ -754,10 +748,9 @@
           <a:lstStyle/>
           <a:p>
             <a:r>
-              <a:rPr kumimoji="1" lang="ja-JP" altLang="en-US" smtClean="0"/>
+              <a:rPr kumimoji="1" lang="ja-JP" altLang="en-US"/>
               <a:t>マスター タイトルの書式設定</a:t>
             </a:r>
-            <a:endParaRPr kumimoji="1" lang="ja-JP" altLang="en-US"/>
           </a:p>
         </p:txBody>
       </p:sp>
@@ -778,70 +771,69 @@
           <a:p>
             <a:pPr lvl="0"/>
             <a:r>
-              <a:rPr kumimoji="1" lang="ja-JP" altLang="en-US" smtClean="0"/>
+              <a:rPr kumimoji="1" lang="ja-JP" altLang="en-US"/>
               <a:t>マスター テキストの書式設定</a:t>
             </a:r>
           </a:p>
           <a:p>
             <a:pPr lvl="1"/>
             <a:r>
-              <a:rPr kumimoji="1" lang="ja-JP" altLang="en-US" smtClean="0"/>
+              <a:rPr kumimoji="1" lang="ja-JP" altLang="en-US"/>
               <a:t>第 </a:t>
             </a:r>
             <a:r>
-              <a:rPr kumimoji="1" lang="en-US" altLang="ja-JP" smtClean="0"/>
+              <a:rPr kumimoji="1" lang="en-US" altLang="ja-JP"/>
               <a:t>2 </a:t>
             </a:r>
             <a:r>
-              <a:rPr kumimoji="1" lang="ja-JP" altLang="en-US" smtClean="0"/>
+              <a:rPr kumimoji="1" lang="ja-JP" altLang="en-US"/>
               <a:t>レベル</a:t>
             </a:r>
           </a:p>
           <a:p>
             <a:pPr lvl="2"/>
             <a:r>
-              <a:rPr kumimoji="1" lang="ja-JP" altLang="en-US" smtClean="0"/>
+              <a:rPr kumimoji="1" lang="ja-JP" altLang="en-US"/>
               <a:t>第 </a:t>
             </a:r>
             <a:r>
-              <a:rPr kumimoji="1" lang="en-US" altLang="ja-JP" smtClean="0"/>
+              <a:rPr kumimoji="1" lang="en-US" altLang="ja-JP"/>
               <a:t>3 </a:t>
             </a:r>
             <a:r>
-              <a:rPr kumimoji="1" lang="ja-JP" altLang="en-US" smtClean="0"/>
+              <a:rPr kumimoji="1" lang="ja-JP" altLang="en-US"/>
               <a:t>レベル</a:t>
             </a:r>
           </a:p>
           <a:p>
             <a:pPr lvl="3"/>
             <a:r>
-              <a:rPr kumimoji="1" lang="ja-JP" altLang="en-US" smtClean="0"/>
+              <a:rPr kumimoji="1" lang="ja-JP" altLang="en-US"/>
               <a:t>第 </a:t>
             </a:r>
             <a:r>
-              <a:rPr kumimoji="1" lang="en-US" altLang="ja-JP" smtClean="0"/>
+              <a:rPr kumimoji="1" lang="en-US" altLang="ja-JP"/>
               <a:t>4 </a:t>
             </a:r>
             <a:r>
-              <a:rPr kumimoji="1" lang="ja-JP" altLang="en-US" smtClean="0"/>
+              <a:rPr kumimoji="1" lang="ja-JP" altLang="en-US"/>
               <a:t>レベル</a:t>
             </a:r>
           </a:p>
           <a:p>
             <a:pPr lvl="4"/>
             <a:r>
-              <a:rPr kumimoji="1" lang="ja-JP" altLang="en-US" smtClean="0"/>
+              <a:rPr kumimoji="1" lang="ja-JP" altLang="en-US"/>
               <a:t>第 </a:t>
             </a:r>
             <a:r>
-              <a:rPr kumimoji="1" lang="en-US" altLang="ja-JP" smtClean="0"/>
+              <a:rPr kumimoji="1" lang="en-US" altLang="ja-JP"/>
               <a:t>5 </a:t>
             </a:r>
             <a:r>
-              <a:rPr kumimoji="1" lang="ja-JP" altLang="en-US" smtClean="0"/>
+              <a:rPr kumimoji="1" lang="ja-JP" altLang="en-US"/>
               <a:t>レベル</a:t>
             </a:r>
-            <a:endParaRPr kumimoji="1" lang="ja-JP" altLang="en-US"/>
           </a:p>
         </p:txBody>
       </p:sp>
@@ -965,10 +957,9 @@
           </a:lstStyle>
           <a:p>
             <a:r>
-              <a:rPr kumimoji="1" lang="ja-JP" altLang="en-US" smtClean="0"/>
+              <a:rPr kumimoji="1" lang="ja-JP" altLang="en-US"/>
               <a:t>マスター タイトルの書式設定</a:t>
             </a:r>
-            <a:endParaRPr kumimoji="1" lang="ja-JP" altLang="en-US"/>
           </a:p>
         </p:txBody>
       </p:sp>
@@ -1085,7 +1076,7 @@
           <a:p>
             <a:pPr lvl="0"/>
             <a:r>
-              <a:rPr kumimoji="1" lang="ja-JP" altLang="en-US" smtClean="0"/>
+              <a:rPr kumimoji="1" lang="ja-JP" altLang="en-US"/>
               <a:t>マスター テキストの書式設定</a:t>
             </a:r>
           </a:p>
@@ -1202,10 +1193,9 @@
           <a:lstStyle/>
           <a:p>
             <a:r>
-              <a:rPr kumimoji="1" lang="ja-JP" altLang="en-US" smtClean="0"/>
+              <a:rPr kumimoji="1" lang="ja-JP" altLang="en-US"/>
               <a:t>マスター タイトルの書式設定</a:t>
             </a:r>
-            <a:endParaRPr kumimoji="1" lang="ja-JP" altLang="en-US"/>
           </a:p>
         </p:txBody>
       </p:sp>
@@ -1231,70 +1221,69 @@
           <a:p>
             <a:pPr lvl="0"/>
             <a:r>
-              <a:rPr kumimoji="1" lang="ja-JP" altLang="en-US" smtClean="0"/>
+              <a:rPr kumimoji="1" lang="ja-JP" altLang="en-US"/>
               <a:t>マスター テキストの書式設定</a:t>
             </a:r>
           </a:p>
           <a:p>
             <a:pPr lvl="1"/>
             <a:r>
-              <a:rPr kumimoji="1" lang="ja-JP" altLang="en-US" smtClean="0"/>
+              <a:rPr kumimoji="1" lang="ja-JP" altLang="en-US"/>
               <a:t>第 </a:t>
             </a:r>
             <a:r>
-              <a:rPr kumimoji="1" lang="en-US" altLang="ja-JP" smtClean="0"/>
+              <a:rPr kumimoji="1" lang="en-US" altLang="ja-JP"/>
               <a:t>2 </a:t>
             </a:r>
             <a:r>
-              <a:rPr kumimoji="1" lang="ja-JP" altLang="en-US" smtClean="0"/>
+              <a:rPr kumimoji="1" lang="ja-JP" altLang="en-US"/>
               <a:t>レベル</a:t>
             </a:r>
           </a:p>
           <a:p>
             <a:pPr lvl="2"/>
             <a:r>
-              <a:rPr kumimoji="1" lang="ja-JP" altLang="en-US" smtClean="0"/>
+              <a:rPr kumimoji="1" lang="ja-JP" altLang="en-US"/>
               <a:t>第 </a:t>
             </a:r>
             <a:r>
-              <a:rPr kumimoji="1" lang="en-US" altLang="ja-JP" smtClean="0"/>
+              <a:rPr kumimoji="1" lang="en-US" altLang="ja-JP"/>
               <a:t>3 </a:t>
             </a:r>
             <a:r>
-              <a:rPr kumimoji="1" lang="ja-JP" altLang="en-US" smtClean="0"/>
+              <a:rPr kumimoji="1" lang="ja-JP" altLang="en-US"/>
               <a:t>レベル</a:t>
             </a:r>
           </a:p>
           <a:p>
             <a:pPr lvl="3"/>
             <a:r>
-              <a:rPr kumimoji="1" lang="ja-JP" altLang="en-US" smtClean="0"/>
+              <a:rPr kumimoji="1" lang="ja-JP" altLang="en-US"/>
               <a:t>第 </a:t>
             </a:r>
             <a:r>
-              <a:rPr kumimoji="1" lang="en-US" altLang="ja-JP" smtClean="0"/>
+              <a:rPr kumimoji="1" lang="en-US" altLang="ja-JP"/>
               <a:t>4 </a:t>
             </a:r>
             <a:r>
-              <a:rPr kumimoji="1" lang="ja-JP" altLang="en-US" smtClean="0"/>
+              <a:rPr kumimoji="1" lang="ja-JP" altLang="en-US"/>
               <a:t>レベル</a:t>
             </a:r>
           </a:p>
           <a:p>
             <a:pPr lvl="4"/>
             <a:r>
-              <a:rPr kumimoji="1" lang="ja-JP" altLang="en-US" smtClean="0"/>
+              <a:rPr kumimoji="1" lang="ja-JP" altLang="en-US"/>
               <a:t>第 </a:t>
             </a:r>
             <a:r>
-              <a:rPr kumimoji="1" lang="en-US" altLang="ja-JP" smtClean="0"/>
+              <a:rPr kumimoji="1" lang="en-US" altLang="ja-JP"/>
               <a:t>5 </a:t>
             </a:r>
             <a:r>
-              <a:rPr kumimoji="1" lang="ja-JP" altLang="en-US" smtClean="0"/>
+              <a:rPr kumimoji="1" lang="ja-JP" altLang="en-US"/>
               <a:t>レベル</a:t>
             </a:r>
-            <a:endParaRPr kumimoji="1" lang="ja-JP" altLang="en-US"/>
           </a:p>
         </p:txBody>
       </p:sp>
@@ -1320,70 +1309,69 @@
           <a:p>
             <a:pPr lvl="0"/>
             <a:r>
-              <a:rPr kumimoji="1" lang="ja-JP" altLang="en-US" smtClean="0"/>
+              <a:rPr kumimoji="1" lang="ja-JP" altLang="en-US"/>
               <a:t>マスター テキストの書式設定</a:t>
             </a:r>
           </a:p>
           <a:p>
             <a:pPr lvl="1"/>
             <a:r>
-              <a:rPr kumimoji="1" lang="ja-JP" altLang="en-US" smtClean="0"/>
+              <a:rPr kumimoji="1" lang="ja-JP" altLang="en-US"/>
               <a:t>第 </a:t>
             </a:r>
             <a:r>
-              <a:rPr kumimoji="1" lang="en-US" altLang="ja-JP" smtClean="0"/>
+              <a:rPr kumimoji="1" lang="en-US" altLang="ja-JP"/>
               <a:t>2 </a:t>
             </a:r>
             <a:r>
-              <a:rPr kumimoji="1" lang="ja-JP" altLang="en-US" smtClean="0"/>
+              <a:rPr kumimoji="1" lang="ja-JP" altLang="en-US"/>
               <a:t>レベル</a:t>
             </a:r>
           </a:p>
           <a:p>
             <a:pPr lvl="2"/>
             <a:r>
-              <a:rPr kumimoji="1" lang="ja-JP" altLang="en-US" smtClean="0"/>
+              <a:rPr kumimoji="1" lang="ja-JP" altLang="en-US"/>
               <a:t>第 </a:t>
             </a:r>
             <a:r>
-              <a:rPr kumimoji="1" lang="en-US" altLang="ja-JP" smtClean="0"/>
+              <a:rPr kumimoji="1" lang="en-US" altLang="ja-JP"/>
               <a:t>3 </a:t>
             </a:r>
             <a:r>
-              <a:rPr kumimoji="1" lang="ja-JP" altLang="en-US" smtClean="0"/>
+              <a:rPr kumimoji="1" lang="ja-JP" altLang="en-US"/>
               <a:t>レベル</a:t>
             </a:r>
           </a:p>
           <a:p>
             <a:pPr lvl="3"/>
             <a:r>
-              <a:rPr kumimoji="1" lang="ja-JP" altLang="en-US" smtClean="0"/>
+              <a:rPr kumimoji="1" lang="ja-JP" altLang="en-US"/>
               <a:t>第 </a:t>
             </a:r>
             <a:r>
-              <a:rPr kumimoji="1" lang="en-US" altLang="ja-JP" smtClean="0"/>
+              <a:rPr kumimoji="1" lang="en-US" altLang="ja-JP"/>
               <a:t>4 </a:t>
             </a:r>
             <a:r>
-              <a:rPr kumimoji="1" lang="ja-JP" altLang="en-US" smtClean="0"/>
+              <a:rPr kumimoji="1" lang="ja-JP" altLang="en-US"/>
               <a:t>レベル</a:t>
             </a:r>
           </a:p>
           <a:p>
             <a:pPr lvl="4"/>
             <a:r>
-              <a:rPr kumimoji="1" lang="ja-JP" altLang="en-US" smtClean="0"/>
+              <a:rPr kumimoji="1" lang="ja-JP" altLang="en-US"/>
               <a:t>第 </a:t>
             </a:r>
             <a:r>
-              <a:rPr kumimoji="1" lang="en-US" altLang="ja-JP" smtClean="0"/>
+              <a:rPr kumimoji="1" lang="en-US" altLang="ja-JP"/>
               <a:t>5 </a:t>
             </a:r>
             <a:r>
-              <a:rPr kumimoji="1" lang="ja-JP" altLang="en-US" smtClean="0"/>
+              <a:rPr kumimoji="1" lang="ja-JP" altLang="en-US"/>
               <a:t>レベル</a:t>
             </a:r>
-            <a:endParaRPr kumimoji="1" lang="ja-JP" altLang="en-US"/>
           </a:p>
         </p:txBody>
       </p:sp>
@@ -1503,10 +1491,9 @@
           <a:lstStyle/>
           <a:p>
             <a:r>
-              <a:rPr kumimoji="1" lang="ja-JP" altLang="en-US" smtClean="0"/>
+              <a:rPr kumimoji="1" lang="ja-JP" altLang="en-US"/>
               <a:t>マスター タイトルの書式設定</a:t>
             </a:r>
-            <a:endParaRPr kumimoji="1" lang="ja-JP" altLang="en-US"/>
           </a:p>
         </p:txBody>
       </p:sp>
@@ -1569,7 +1556,7 @@
           <a:p>
             <a:pPr lvl="0"/>
             <a:r>
-              <a:rPr kumimoji="1" lang="ja-JP" altLang="en-US" smtClean="0"/>
+              <a:rPr kumimoji="1" lang="ja-JP" altLang="en-US"/>
               <a:t>マスター テキストの書式設定</a:t>
             </a:r>
           </a:p>
@@ -1597,70 +1584,69 @@
           <a:p>
             <a:pPr lvl="0"/>
             <a:r>
-              <a:rPr kumimoji="1" lang="ja-JP" altLang="en-US" smtClean="0"/>
+              <a:rPr kumimoji="1" lang="ja-JP" altLang="en-US"/>
               <a:t>マスター テキストの書式設定</a:t>
             </a:r>
           </a:p>
           <a:p>
             <a:pPr lvl="1"/>
             <a:r>
-              <a:rPr kumimoji="1" lang="ja-JP" altLang="en-US" smtClean="0"/>
+              <a:rPr kumimoji="1" lang="ja-JP" altLang="en-US"/>
               <a:t>第 </a:t>
             </a:r>
             <a:r>
-              <a:rPr kumimoji="1" lang="en-US" altLang="ja-JP" smtClean="0"/>
+              <a:rPr kumimoji="1" lang="en-US" altLang="ja-JP"/>
               <a:t>2 </a:t>
             </a:r>
             <a:r>
-              <a:rPr kumimoji="1" lang="ja-JP" altLang="en-US" smtClean="0"/>
+              <a:rPr kumimoji="1" lang="ja-JP" altLang="en-US"/>
               <a:t>レベル</a:t>
             </a:r>
           </a:p>
           <a:p>
             <a:pPr lvl="2"/>
             <a:r>
-              <a:rPr kumimoji="1" lang="ja-JP" altLang="en-US" smtClean="0"/>
+              <a:rPr kumimoji="1" lang="ja-JP" altLang="en-US"/>
               <a:t>第 </a:t>
             </a:r>
             <a:r>
-              <a:rPr kumimoji="1" lang="en-US" altLang="ja-JP" smtClean="0"/>
+              <a:rPr kumimoji="1" lang="en-US" altLang="ja-JP"/>
               <a:t>3 </a:t>
             </a:r>
             <a:r>
-              <a:rPr kumimoji="1" lang="ja-JP" altLang="en-US" smtClean="0"/>
+              <a:rPr kumimoji="1" lang="ja-JP" altLang="en-US"/>
               <a:t>レベル</a:t>
             </a:r>
           </a:p>
           <a:p>
             <a:pPr lvl="3"/>
             <a:r>
-              <a:rPr kumimoji="1" lang="ja-JP" altLang="en-US" smtClean="0"/>
+              <a:rPr kumimoji="1" lang="ja-JP" altLang="en-US"/>
               <a:t>第 </a:t>
             </a:r>
             <a:r>
-              <a:rPr kumimoji="1" lang="en-US" altLang="ja-JP" smtClean="0"/>
+              <a:rPr kumimoji="1" lang="en-US" altLang="ja-JP"/>
               <a:t>4 </a:t>
             </a:r>
             <a:r>
-              <a:rPr kumimoji="1" lang="ja-JP" altLang="en-US" smtClean="0"/>
+              <a:rPr kumimoji="1" lang="ja-JP" altLang="en-US"/>
               <a:t>レベル</a:t>
             </a:r>
           </a:p>
           <a:p>
             <a:pPr lvl="4"/>
             <a:r>
-              <a:rPr kumimoji="1" lang="ja-JP" altLang="en-US" smtClean="0"/>
+              <a:rPr kumimoji="1" lang="ja-JP" altLang="en-US"/>
               <a:t>第 </a:t>
             </a:r>
             <a:r>
-              <a:rPr kumimoji="1" lang="en-US" altLang="ja-JP" smtClean="0"/>
+              <a:rPr kumimoji="1" lang="en-US" altLang="ja-JP"/>
               <a:t>5 </a:t>
             </a:r>
             <a:r>
-              <a:rPr kumimoji="1" lang="ja-JP" altLang="en-US" smtClean="0"/>
+              <a:rPr kumimoji="1" lang="ja-JP" altLang="en-US"/>
               <a:t>レベル</a:t>
             </a:r>
-            <a:endParaRPr kumimoji="1" lang="ja-JP" altLang="en-US"/>
           </a:p>
         </p:txBody>
       </p:sp>
@@ -1723,7 +1709,7 @@
           <a:p>
             <a:pPr lvl="0"/>
             <a:r>
-              <a:rPr kumimoji="1" lang="ja-JP" altLang="en-US" smtClean="0"/>
+              <a:rPr kumimoji="1" lang="ja-JP" altLang="en-US"/>
               <a:t>マスター テキストの書式設定</a:t>
             </a:r>
           </a:p>
@@ -1751,70 +1737,69 @@
           <a:p>
             <a:pPr lvl="0"/>
             <a:r>
-              <a:rPr kumimoji="1" lang="ja-JP" altLang="en-US" smtClean="0"/>
+              <a:rPr kumimoji="1" lang="ja-JP" altLang="en-US"/>
               <a:t>マスター テキストの書式設定</a:t>
             </a:r>
           </a:p>
           <a:p>
             <a:pPr lvl="1"/>
             <a:r>
-              <a:rPr kumimoji="1" lang="ja-JP" altLang="en-US" smtClean="0"/>
+              <a:rPr kumimoji="1" lang="ja-JP" altLang="en-US"/>
               <a:t>第 </a:t>
             </a:r>
             <a:r>
-              <a:rPr kumimoji="1" lang="en-US" altLang="ja-JP" smtClean="0"/>
+              <a:rPr kumimoji="1" lang="en-US" altLang="ja-JP"/>
               <a:t>2 </a:t>
             </a:r>
             <a:r>
-              <a:rPr kumimoji="1" lang="ja-JP" altLang="en-US" smtClean="0"/>
+              <a:rPr kumimoji="1" lang="ja-JP" altLang="en-US"/>
               <a:t>レベル</a:t>
             </a:r>
           </a:p>
           <a:p>
             <a:pPr lvl="2"/>
             <a:r>
-              <a:rPr kumimoji="1" lang="ja-JP" altLang="en-US" smtClean="0"/>
+              <a:rPr kumimoji="1" lang="ja-JP" altLang="en-US"/>
               <a:t>第 </a:t>
             </a:r>
             <a:r>
-              <a:rPr kumimoji="1" lang="en-US" altLang="ja-JP" smtClean="0"/>
+              <a:rPr kumimoji="1" lang="en-US" altLang="ja-JP"/>
               <a:t>3 </a:t>
             </a:r>
             <a:r>
-              <a:rPr kumimoji="1" lang="ja-JP" altLang="en-US" smtClean="0"/>
+              <a:rPr kumimoji="1" lang="ja-JP" altLang="en-US"/>
               <a:t>レベル</a:t>
             </a:r>
           </a:p>
           <a:p>
             <a:pPr lvl="3"/>
             <a:r>
-              <a:rPr kumimoji="1" lang="ja-JP" altLang="en-US" smtClean="0"/>
+              <a:rPr kumimoji="1" lang="ja-JP" altLang="en-US"/>
               <a:t>第 </a:t>
             </a:r>
             <a:r>
-              <a:rPr kumimoji="1" lang="en-US" altLang="ja-JP" smtClean="0"/>
+              <a:rPr kumimoji="1" lang="en-US" altLang="ja-JP"/>
               <a:t>4 </a:t>
             </a:r>
             <a:r>
-              <a:rPr kumimoji="1" lang="ja-JP" altLang="en-US" smtClean="0"/>
+              <a:rPr kumimoji="1" lang="ja-JP" altLang="en-US"/>
               <a:t>レベル</a:t>
             </a:r>
           </a:p>
           <a:p>
             <a:pPr lvl="4"/>
             <a:r>
-              <a:rPr kumimoji="1" lang="ja-JP" altLang="en-US" smtClean="0"/>
+              <a:rPr kumimoji="1" lang="ja-JP" altLang="en-US"/>
               <a:t>第 </a:t>
             </a:r>
             <a:r>
-              <a:rPr kumimoji="1" lang="en-US" altLang="ja-JP" smtClean="0"/>
+              <a:rPr kumimoji="1" lang="en-US" altLang="ja-JP"/>
               <a:t>5 </a:t>
             </a:r>
             <a:r>
-              <a:rPr kumimoji="1" lang="ja-JP" altLang="en-US" smtClean="0"/>
+              <a:rPr kumimoji="1" lang="ja-JP" altLang="en-US"/>
               <a:t>レベル</a:t>
             </a:r>
-            <a:endParaRPr kumimoji="1" lang="ja-JP" altLang="en-US"/>
           </a:p>
         </p:txBody>
       </p:sp>
@@ -1929,10 +1914,9 @@
           <a:lstStyle/>
           <a:p>
             <a:r>
-              <a:rPr kumimoji="1" lang="ja-JP" altLang="en-US" smtClean="0"/>
+              <a:rPr kumimoji="1" lang="ja-JP" altLang="en-US"/>
               <a:t>マスター タイトルの書式設定</a:t>
             </a:r>
-            <a:endParaRPr kumimoji="1" lang="ja-JP" altLang="en-US"/>
           </a:p>
         </p:txBody>
       </p:sp>
@@ -2151,10 +2135,9 @@
           </a:lstStyle>
           <a:p>
             <a:r>
-              <a:rPr kumimoji="1" lang="ja-JP" altLang="en-US" smtClean="0"/>
+              <a:rPr kumimoji="1" lang="ja-JP" altLang="en-US"/>
               <a:t>マスター タイトルの書式設定</a:t>
             </a:r>
-            <a:endParaRPr kumimoji="1" lang="ja-JP" altLang="en-US"/>
           </a:p>
         </p:txBody>
       </p:sp>
@@ -2208,70 +2191,69 @@
           <a:p>
             <a:pPr lvl="0"/>
             <a:r>
-              <a:rPr kumimoji="1" lang="ja-JP" altLang="en-US" smtClean="0"/>
+              <a:rPr kumimoji="1" lang="ja-JP" altLang="en-US"/>
               <a:t>マスター テキストの書式設定</a:t>
             </a:r>
           </a:p>
           <a:p>
             <a:pPr lvl="1"/>
             <a:r>
-              <a:rPr kumimoji="1" lang="ja-JP" altLang="en-US" smtClean="0"/>
+              <a:rPr kumimoji="1" lang="ja-JP" altLang="en-US"/>
               <a:t>第 </a:t>
             </a:r>
             <a:r>
-              <a:rPr kumimoji="1" lang="en-US" altLang="ja-JP" smtClean="0"/>
+              <a:rPr kumimoji="1" lang="en-US" altLang="ja-JP"/>
               <a:t>2 </a:t>
             </a:r>
             <a:r>
-              <a:rPr kumimoji="1" lang="ja-JP" altLang="en-US" smtClean="0"/>
+              <a:rPr kumimoji="1" lang="ja-JP" altLang="en-US"/>
               <a:t>レベル</a:t>
             </a:r>
           </a:p>
           <a:p>
             <a:pPr lvl="2"/>
             <a:r>
-              <a:rPr kumimoji="1" lang="ja-JP" altLang="en-US" smtClean="0"/>
+              <a:rPr kumimoji="1" lang="ja-JP" altLang="en-US"/>
               <a:t>第 </a:t>
             </a:r>
             <a:r>
-              <a:rPr kumimoji="1" lang="en-US" altLang="ja-JP" smtClean="0"/>
+              <a:rPr kumimoji="1" lang="en-US" altLang="ja-JP"/>
               <a:t>3 </a:t>
             </a:r>
             <a:r>
-              <a:rPr kumimoji="1" lang="ja-JP" altLang="en-US" smtClean="0"/>
+              <a:rPr kumimoji="1" lang="ja-JP" altLang="en-US"/>
               <a:t>レベル</a:t>
             </a:r>
           </a:p>
           <a:p>
             <a:pPr lvl="3"/>
             <a:r>
-              <a:rPr kumimoji="1" lang="ja-JP" altLang="en-US" smtClean="0"/>
+              <a:rPr kumimoji="1" lang="ja-JP" altLang="en-US"/>
               <a:t>第 </a:t>
             </a:r>
             <a:r>
-              <a:rPr kumimoji="1" lang="en-US" altLang="ja-JP" smtClean="0"/>
+              <a:rPr kumimoji="1" lang="en-US" altLang="ja-JP"/>
               <a:t>4 </a:t>
             </a:r>
             <a:r>
-              <a:rPr kumimoji="1" lang="ja-JP" altLang="en-US" smtClean="0"/>
+              <a:rPr kumimoji="1" lang="ja-JP" altLang="en-US"/>
               <a:t>レベル</a:t>
             </a:r>
           </a:p>
           <a:p>
             <a:pPr lvl="4"/>
             <a:r>
-              <a:rPr kumimoji="1" lang="ja-JP" altLang="en-US" smtClean="0"/>
+              <a:rPr kumimoji="1" lang="ja-JP" altLang="en-US"/>
               <a:t>第 </a:t>
             </a:r>
             <a:r>
-              <a:rPr kumimoji="1" lang="en-US" altLang="ja-JP" smtClean="0"/>
+              <a:rPr kumimoji="1" lang="en-US" altLang="ja-JP"/>
               <a:t>5 </a:t>
             </a:r>
             <a:r>
-              <a:rPr kumimoji="1" lang="ja-JP" altLang="en-US" smtClean="0"/>
+              <a:rPr kumimoji="1" lang="ja-JP" altLang="en-US"/>
               <a:t>レベル</a:t>
             </a:r>
-            <a:endParaRPr kumimoji="1" lang="ja-JP" altLang="en-US"/>
           </a:p>
         </p:txBody>
       </p:sp>
@@ -2334,7 +2316,7 @@
           <a:p>
             <a:pPr lvl="0"/>
             <a:r>
-              <a:rPr kumimoji="1" lang="ja-JP" altLang="en-US" smtClean="0"/>
+              <a:rPr kumimoji="1" lang="ja-JP" altLang="en-US"/>
               <a:t>マスター テキストの書式設定</a:t>
             </a:r>
           </a:p>
@@ -2460,10 +2442,9 @@
           </a:lstStyle>
           <a:p>
             <a:r>
-              <a:rPr kumimoji="1" lang="ja-JP" altLang="en-US" smtClean="0"/>
+              <a:rPr kumimoji="1" lang="ja-JP" altLang="en-US"/>
               <a:t>マスター タイトルの書式設定</a:t>
             </a:r>
-            <a:endParaRPr kumimoji="1" lang="ja-JP" altLang="en-US"/>
           </a:p>
         </p:txBody>
       </p:sp>
@@ -2587,7 +2568,7 @@
           <a:p>
             <a:pPr lvl="0"/>
             <a:r>
-              <a:rPr kumimoji="1" lang="ja-JP" altLang="en-US" smtClean="0"/>
+              <a:rPr kumimoji="1" lang="ja-JP" altLang="en-US"/>
               <a:t>マスター テキストの書式設定</a:t>
             </a:r>
           </a:p>
@@ -2719,10 +2700,9 @@
           <a:lstStyle/>
           <a:p>
             <a:r>
-              <a:rPr kumimoji="1" lang="ja-JP" altLang="en-US" smtClean="0"/>
+              <a:rPr kumimoji="1" lang="ja-JP" altLang="en-US"/>
               <a:t>マスター タイトルの書式設定</a:t>
             </a:r>
-            <a:endParaRPr kumimoji="1" lang="ja-JP" altLang="en-US"/>
           </a:p>
         </p:txBody>
       </p:sp>
@@ -2753,70 +2733,69 @@
           <a:p>
             <a:pPr lvl="0"/>
             <a:r>
-              <a:rPr kumimoji="1" lang="ja-JP" altLang="en-US" smtClean="0"/>
+              <a:rPr kumimoji="1" lang="ja-JP" altLang="en-US"/>
               <a:t>マスター テキストの書式設定</a:t>
             </a:r>
           </a:p>
           <a:p>
             <a:pPr lvl="1"/>
             <a:r>
-              <a:rPr kumimoji="1" lang="ja-JP" altLang="en-US" smtClean="0"/>
+              <a:rPr kumimoji="1" lang="ja-JP" altLang="en-US"/>
               <a:t>第 </a:t>
             </a:r>
             <a:r>
-              <a:rPr kumimoji="1" lang="en-US" altLang="ja-JP" smtClean="0"/>
+              <a:rPr kumimoji="1" lang="en-US" altLang="ja-JP"/>
               <a:t>2 </a:t>
             </a:r>
             <a:r>
-              <a:rPr kumimoji="1" lang="ja-JP" altLang="en-US" smtClean="0"/>
+              <a:rPr kumimoji="1" lang="ja-JP" altLang="en-US"/>
               <a:t>レベル</a:t>
             </a:r>
           </a:p>
           <a:p>
             <a:pPr lvl="2"/>
             <a:r>
-              <a:rPr kumimoji="1" lang="ja-JP" altLang="en-US" smtClean="0"/>
+              <a:rPr kumimoji="1" lang="ja-JP" altLang="en-US"/>
               <a:t>第 </a:t>
             </a:r>
             <a:r>
-              <a:rPr kumimoji="1" lang="en-US" altLang="ja-JP" smtClean="0"/>
+              <a:rPr kumimoji="1" lang="en-US" altLang="ja-JP"/>
               <a:t>3 </a:t>
             </a:r>
             <a:r>
-              <a:rPr kumimoji="1" lang="ja-JP" altLang="en-US" smtClean="0"/>
+              <a:rPr kumimoji="1" lang="ja-JP" altLang="en-US"/>
               <a:t>レベル</a:t>
             </a:r>
           </a:p>
           <a:p>
             <a:pPr lvl="3"/>
             <a:r>
-              <a:rPr kumimoji="1" lang="ja-JP" altLang="en-US" smtClean="0"/>
+              <a:rPr kumimoji="1" lang="ja-JP" altLang="en-US"/>
               <a:t>第 </a:t>
             </a:r>
             <a:r>
-              <a:rPr kumimoji="1" lang="en-US" altLang="ja-JP" smtClean="0"/>
+              <a:rPr kumimoji="1" lang="en-US" altLang="ja-JP"/>
               <a:t>4 </a:t>
             </a:r>
             <a:r>
-              <a:rPr kumimoji="1" lang="ja-JP" altLang="en-US" smtClean="0"/>
+              <a:rPr kumimoji="1" lang="ja-JP" altLang="en-US"/>
               <a:t>レベル</a:t>
             </a:r>
           </a:p>
           <a:p>
             <a:pPr lvl="4"/>
             <a:r>
-              <a:rPr kumimoji="1" lang="ja-JP" altLang="en-US" smtClean="0"/>
+              <a:rPr kumimoji="1" lang="ja-JP" altLang="en-US"/>
               <a:t>第 </a:t>
             </a:r>
             <a:r>
-              <a:rPr kumimoji="1" lang="en-US" altLang="ja-JP" smtClean="0"/>
+              <a:rPr kumimoji="1" lang="en-US" altLang="ja-JP"/>
               <a:t>5 </a:t>
             </a:r>
             <a:r>
-              <a:rPr kumimoji="1" lang="ja-JP" altLang="en-US" smtClean="0"/>
+              <a:rPr kumimoji="1" lang="ja-JP" altLang="en-US"/>
               <a:t>レベル</a:t>
             </a:r>
-            <a:endParaRPr kumimoji="1" lang="ja-JP" altLang="en-US"/>
           </a:p>
         </p:txBody>
       </p:sp>
@@ -3276,7 +3255,7 @@
           <a:lstStyle/>
           <a:p>
             <a:r>
-              <a:rPr lang="en-US" altLang="ja-JP" dirty="0" smtClean="0"/>
+              <a:rPr lang="en-US" altLang="ja-JP" dirty="0"/>
               <a:t>Ethanol-drop</a:t>
             </a:r>
             <a:endParaRPr kumimoji="1" lang="ja-JP" altLang="en-US" dirty="0"/>
@@ -3312,13 +3291,6 @@
   <p:clrMapOvr>
     <a:masterClrMapping/>
   </p:clrMapOvr>
-  <p:timing>
-    <p:tnLst>
-      <p:par>
-        <p:cTn id="1" dur="indefinite" restart="never" nodeType="tmRoot"/>
-      </p:par>
-    </p:tnLst>
-  </p:timing>
 </p:sld>
 </file>
 
@@ -3364,9 +3336,27 @@
                 <a:tableStyleId>{F5AB1C69-6EDB-4FF4-983F-18BD219EF322}</a:tableStyleId>
               </a:tblPr>
               <a:tblGrid>
-                <a:gridCol w="2435086"/>
-                <a:gridCol w="3011557"/>
-                <a:gridCol w="3355690"/>
+                <a:gridCol w="2435086">
+                  <a:extLst>
+                    <a:ext uri="{9D8B030D-6E8A-4147-A177-3AD203B41FA5}">
+                      <a16:colId xmlns:a16="http://schemas.microsoft.com/office/drawing/2014/main" val="20000"/>
+                    </a:ext>
+                  </a:extLst>
+                </a:gridCol>
+                <a:gridCol w="3011557">
+                  <a:extLst>
+                    <a:ext uri="{9D8B030D-6E8A-4147-A177-3AD203B41FA5}">
+                      <a16:colId xmlns:a16="http://schemas.microsoft.com/office/drawing/2014/main" val="20001"/>
+                    </a:ext>
+                  </a:extLst>
+                </a:gridCol>
+                <a:gridCol w="3355690">
+                  <a:extLst>
+                    <a:ext uri="{9D8B030D-6E8A-4147-A177-3AD203B41FA5}">
+                      <a16:colId xmlns:a16="http://schemas.microsoft.com/office/drawing/2014/main" val="20002"/>
+                    </a:ext>
+                  </a:extLst>
+                </a:gridCol>
               </a:tblGrid>
               <a:tr h="424584">
                 <a:tc>
@@ -3387,7 +3377,7 @@
                     <a:p>
                       <a:pPr algn="ctr"/>
                       <a:r>
-                        <a:rPr kumimoji="1" lang="en-US" altLang="ja-JP" dirty="0" smtClean="0"/>
+                        <a:rPr kumimoji="1" lang="en-US" altLang="ja-JP" dirty="0"/>
                         <a:t>-</a:t>
                       </a:r>
                       <a:endParaRPr kumimoji="1" lang="ja-JP" altLang="en-US" dirty="0"/>
@@ -3402,11 +3392,11 @@
                     <a:p>
                       <a:pPr algn="ctr"/>
                       <a:r>
-                        <a:rPr kumimoji="1" lang="en-US" altLang="ja-JP" smtClean="0"/>
+                        <a:rPr kumimoji="1" lang="en-US" altLang="ja-JP"/>
                         <a:t>Ethanol</a:t>
                       </a:r>
                       <a:r>
-                        <a:rPr kumimoji="1" lang="en-US" altLang="ja-JP" baseline="0" smtClean="0"/>
+                        <a:rPr kumimoji="1" lang="en-US" altLang="ja-JP" baseline="0"/>
                         <a:t> (60wt%)</a:t>
                       </a:r>
                       <a:endParaRPr kumimoji="1" lang="ja-JP" altLang="en-US" dirty="0"/>
@@ -3414,6 +3404,11 @@
                   </a:txBody>
                   <a:tcPr/>
                 </a:tc>
+                <a:extLst>
+                  <a:ext uri="{0D108BD9-81ED-4DB2-BD59-A6C34878D82A}">
+                    <a16:rowId xmlns:a16="http://schemas.microsoft.com/office/drawing/2014/main" val="10000"/>
+                  </a:ext>
+                </a:extLst>
               </a:tr>
               <a:tr h="370840">
                 <a:tc>
@@ -3423,11 +3418,11 @@
                     <a:p>
                       <a:pPr algn="ctr"/>
                       <a:r>
-                        <a:rPr kumimoji="1" lang="ja-JP" altLang="en-US" dirty="0" smtClean="0"/>
+                        <a:rPr kumimoji="1" lang="ja-JP" altLang="en-US" dirty="0"/>
                         <a:t>密度 </a:t>
                       </a:r>
                       <a:r>
-                        <a:rPr kumimoji="1" lang="en-US" altLang="ja-JP" dirty="0" smtClean="0"/>
+                        <a:rPr kumimoji="1" lang="en-US" altLang="ja-JP" dirty="0"/>
                         <a:t>[kg/m3]</a:t>
                       </a:r>
                       <a:endParaRPr kumimoji="1" lang="ja-JP" altLang="en-US" dirty="0"/>
@@ -3442,7 +3437,7 @@
                     <a:p>
                       <a:pPr algn="ctr"/>
                       <a:r>
-                        <a:rPr kumimoji="1" lang="en-US" altLang="ja-JP" dirty="0" smtClean="0"/>
+                        <a:rPr kumimoji="1" lang="en-US" altLang="ja-JP" dirty="0"/>
                         <a:t>0.8062e3</a:t>
                       </a:r>
                       <a:endParaRPr kumimoji="1" lang="ja-JP" altLang="en-US" dirty="0"/>
@@ -3457,13 +3452,18 @@
                     <a:p>
                       <a:pPr algn="ctr"/>
                       <a:r>
-                        <a:rPr kumimoji="1" lang="en-US" altLang="ja-JP" dirty="0" smtClean="0"/>
+                        <a:rPr kumimoji="1" lang="en-US" altLang="ja-JP" dirty="0"/>
                         <a:t>0.9072e3</a:t>
                       </a:r>
                     </a:p>
                   </a:txBody>
                   <a:tcPr/>
                 </a:tc>
+                <a:extLst>
+                  <a:ext uri="{0D108BD9-81ED-4DB2-BD59-A6C34878D82A}">
+                    <a16:rowId xmlns:a16="http://schemas.microsoft.com/office/drawing/2014/main" val="10001"/>
+                  </a:ext>
+                </a:extLst>
               </a:tr>
               <a:tr h="370840">
                 <a:tc>
@@ -3473,11 +3473,11 @@
                     <a:p>
                       <a:pPr algn="ctr"/>
                       <a:r>
-                        <a:rPr kumimoji="1" lang="ja-JP" altLang="en-US" dirty="0" smtClean="0"/>
+                        <a:rPr kumimoji="1" lang="ja-JP" altLang="en-US" dirty="0"/>
                         <a:t>粘性係数 </a:t>
                       </a:r>
                       <a:r>
-                        <a:rPr kumimoji="1" lang="en-US" altLang="ja-JP" dirty="0" smtClean="0"/>
+                        <a:rPr kumimoji="1" lang="en-US" altLang="ja-JP" dirty="0"/>
                         <a:t>[Pa/s]</a:t>
                       </a:r>
                       <a:endParaRPr kumimoji="1" lang="ja-JP" altLang="en-US" dirty="0"/>
@@ -3492,7 +3492,7 @@
                     <a:p>
                       <a:pPr algn="ctr"/>
                       <a:r>
-                        <a:rPr kumimoji="1" lang="en-US" altLang="ja-JP" dirty="0" smtClean="0"/>
+                        <a:rPr kumimoji="1" lang="en-US" altLang="ja-JP" dirty="0"/>
                         <a:t>1.773e-3</a:t>
                       </a:r>
                       <a:endParaRPr kumimoji="1" lang="ja-JP" altLang="en-US" dirty="0"/>
@@ -3507,13 +3507,18 @@
                     <a:p>
                       <a:pPr algn="ctr"/>
                       <a:r>
-                        <a:rPr kumimoji="1" lang="en-US" altLang="ja-JP" dirty="0" smtClean="0"/>
+                        <a:rPr kumimoji="1" lang="en-US" altLang="ja-JP" dirty="0"/>
                         <a:t>5.75e-3</a:t>
                       </a:r>
                     </a:p>
                   </a:txBody>
                   <a:tcPr/>
                 </a:tc>
+                <a:extLst>
+                  <a:ext uri="{0D108BD9-81ED-4DB2-BD59-A6C34878D82A}">
+                    <a16:rowId xmlns:a16="http://schemas.microsoft.com/office/drawing/2014/main" val="10002"/>
+                  </a:ext>
+                </a:extLst>
               </a:tr>
               <a:tr h="370840">
                 <a:tc>
@@ -3523,7 +3528,7 @@
                     <a:p>
                       <a:pPr algn="ctr"/>
                       <a:r>
-                        <a:rPr kumimoji="1" lang="ja-JP" altLang="en-US" smtClean="0"/>
+                        <a:rPr kumimoji="1" lang="ja-JP" altLang="en-US"/>
                         <a:t>表面張力</a:t>
                       </a:r>
                       <a:endParaRPr kumimoji="1" lang="ja-JP" altLang="en-US" dirty="0"/>
@@ -3538,7 +3543,7 @@
                     <a:p>
                       <a:pPr algn="ctr"/>
                       <a:r>
-                        <a:rPr kumimoji="1" lang="en-US" altLang="ja-JP" smtClean="0"/>
+                        <a:rPr kumimoji="1" lang="en-US" altLang="ja-JP"/>
                         <a:t>0.01</a:t>
                       </a:r>
                       <a:endParaRPr kumimoji="1" lang="ja-JP" altLang="en-US" dirty="0"/>
@@ -3553,7 +3558,7 @@
                     <a:p>
                       <a:pPr algn="ctr"/>
                       <a:r>
-                        <a:rPr kumimoji="1" lang="en-US" altLang="ja-JP" dirty="0" smtClean="0"/>
+                        <a:rPr kumimoji="1" lang="en-US" altLang="ja-JP" dirty="0"/>
                         <a:t>0.0284</a:t>
                       </a:r>
                       <a:endParaRPr kumimoji="1" lang="ja-JP" altLang="en-US" dirty="0"/>
@@ -3561,6 +3566,11 @@
                   </a:txBody>
                   <a:tcPr/>
                 </a:tc>
+                <a:extLst>
+                  <a:ext uri="{0D108BD9-81ED-4DB2-BD59-A6C34878D82A}">
+                    <a16:rowId xmlns:a16="http://schemas.microsoft.com/office/drawing/2014/main" val="10003"/>
+                  </a:ext>
+                </a:extLst>
               </a:tr>
               <a:tr h="0">
                 <a:tc>
@@ -3570,19 +3580,19 @@
                     <a:p>
                       <a:pPr algn="ctr"/>
                       <a:r>
-                        <a:rPr kumimoji="1" lang="ja-JP" altLang="en-US" dirty="0" smtClean="0"/>
+                        <a:rPr kumimoji="1" lang="ja-JP" altLang="en-US" dirty="0"/>
                         <a:t>接触角 </a:t>
                       </a:r>
                       <a:r>
-                        <a:rPr kumimoji="1" lang="en-US" altLang="ja-JP" dirty="0" smtClean="0"/>
+                        <a:rPr kumimoji="1" lang="en-US" altLang="ja-JP" dirty="0"/>
                         <a:t>[</a:t>
                       </a:r>
                       <a:r>
-                        <a:rPr kumimoji="1" lang="en-US" altLang="ja-JP" dirty="0" err="1" smtClean="0"/>
+                        <a:rPr kumimoji="1" lang="en-US" altLang="ja-JP" dirty="0" err="1"/>
                         <a:t>deg</a:t>
                       </a:r>
                       <a:r>
-                        <a:rPr kumimoji="1" lang="en-US" altLang="ja-JP" dirty="0" smtClean="0"/>
+                        <a:rPr kumimoji="1" lang="en-US" altLang="ja-JP" dirty="0"/>
                         <a:t>]</a:t>
                       </a:r>
                       <a:endParaRPr kumimoji="1" lang="ja-JP" altLang="en-US" dirty="0"/>
@@ -3597,7 +3607,7 @@
                     <a:p>
                       <a:pPr algn="ctr"/>
                       <a:r>
-                        <a:rPr kumimoji="1" lang="en-US" altLang="ja-JP" dirty="0" smtClean="0"/>
+                        <a:rPr kumimoji="1" lang="en-US" altLang="ja-JP" dirty="0"/>
                         <a:t>60</a:t>
                       </a:r>
                       <a:endParaRPr kumimoji="1" lang="ja-JP" altLang="en-US" dirty="0"/>
@@ -3612,15 +3622,15 @@
                     <a:p>
                       <a:pPr algn="ctr"/>
                       <a:r>
-                        <a:rPr kumimoji="1" lang="en-US" altLang="ja-JP" dirty="0" smtClean="0"/>
+                        <a:rPr kumimoji="1" lang="en-US" altLang="ja-JP" dirty="0"/>
                         <a:t>30</a:t>
                       </a:r>
                       <a:r>
-                        <a:rPr kumimoji="1" lang="ja-JP" altLang="en-US" dirty="0" smtClean="0"/>
+                        <a:rPr kumimoji="1" lang="ja-JP" altLang="en-US" dirty="0"/>
                         <a:t>（正確な値でない</a:t>
                       </a:r>
                       <a:r>
-                        <a:rPr kumimoji="1" lang="en-US" altLang="ja-JP" smtClean="0"/>
+                        <a:rPr kumimoji="1" lang="en-US" altLang="ja-JP"/>
                         <a:t>)</a:t>
                       </a:r>
                       <a:endParaRPr kumimoji="1" lang="ja-JP" altLang="en-US" dirty="0"/>
@@ -3628,6 +3638,11 @@
                   </a:txBody>
                   <a:tcPr/>
                 </a:tc>
+                <a:extLst>
+                  <a:ext uri="{0D108BD9-81ED-4DB2-BD59-A6C34878D82A}">
+                    <a16:rowId xmlns:a16="http://schemas.microsoft.com/office/drawing/2014/main" val="10004"/>
+                  </a:ext>
+                </a:extLst>
               </a:tr>
               <a:tr h="370840">
                 <a:tc>
@@ -3637,19 +3652,19 @@
                     <a:p>
                       <a:pPr algn="ctr"/>
                       <a:r>
-                        <a:rPr kumimoji="1" lang="en-US" altLang="ja-JP" dirty="0" smtClean="0"/>
+                        <a:rPr kumimoji="1" lang="en-US" altLang="ja-JP" dirty="0"/>
                         <a:t>Time</a:t>
                       </a:r>
                       <a:r>
-                        <a:rPr kumimoji="1" lang="en-US" altLang="ja-JP" baseline="0" dirty="0" smtClean="0"/>
+                        <a:rPr kumimoji="1" lang="en-US" altLang="ja-JP" baseline="0" dirty="0"/>
                         <a:t> Step</a:t>
                       </a:r>
                       <a:r>
-                        <a:rPr kumimoji="1" lang="ja-JP" altLang="en-US" baseline="0" dirty="0" smtClean="0"/>
+                        <a:rPr kumimoji="1" lang="ja-JP" altLang="en-US" baseline="0" dirty="0"/>
                         <a:t> </a:t>
                       </a:r>
                       <a:r>
-                        <a:rPr kumimoji="1" lang="en-US" altLang="ja-JP" baseline="0" dirty="0" smtClean="0"/>
+                        <a:rPr kumimoji="1" lang="en-US" altLang="ja-JP" baseline="0" dirty="0"/>
                         <a:t>[s]</a:t>
                       </a:r>
                       <a:endParaRPr kumimoji="1" lang="ja-JP" altLang="en-US" dirty="0"/>
@@ -3664,7 +3679,7 @@
                     <a:p>
                       <a:pPr algn="ctr"/>
                       <a:r>
-                        <a:rPr kumimoji="1" lang="en-US" altLang="ja-JP" dirty="0" smtClean="0"/>
+                        <a:rPr kumimoji="1" lang="en-US" altLang="ja-JP" dirty="0"/>
                         <a:t>1.0e-7</a:t>
                       </a:r>
                       <a:endParaRPr kumimoji="1" lang="ja-JP" altLang="en-US" dirty="0"/>
@@ -3679,7 +3694,7 @@
                     <a:p>
                       <a:pPr algn="ctr"/>
                       <a:r>
-                        <a:rPr kumimoji="1" lang="en-US" altLang="ja-JP" dirty="0" smtClean="0"/>
+                        <a:rPr kumimoji="1" lang="en-US" altLang="ja-JP" dirty="0"/>
                         <a:t>0.5e-7</a:t>
                       </a:r>
                       <a:endParaRPr kumimoji="1" lang="ja-JP" altLang="en-US" dirty="0"/>
@@ -3687,6 +3702,11 @@
                   </a:txBody>
                   <a:tcPr/>
                 </a:tc>
+                <a:extLst>
+                  <a:ext uri="{0D108BD9-81ED-4DB2-BD59-A6C34878D82A}">
+                    <a16:rowId xmlns:a16="http://schemas.microsoft.com/office/drawing/2014/main" val="10005"/>
+                  </a:ext>
+                </a:extLst>
               </a:tr>
               <a:tr h="370840">
                 <a:tc>
@@ -3696,18 +3716,17 @@
                     <a:p>
                       <a:pPr algn="ctr"/>
                       <a:r>
-                        <a:rPr kumimoji="1" lang="ja-JP" altLang="en-US" dirty="0" smtClean="0"/>
+                        <a:rPr kumimoji="1" lang="ja-JP" altLang="en-US" dirty="0"/>
                         <a:t>計算時間（</a:t>
                       </a:r>
                       <a:r>
-                        <a:rPr kumimoji="1" lang="en-US" altLang="ja-JP" dirty="0" smtClean="0"/>
+                        <a:rPr kumimoji="1" lang="en-US" altLang="ja-JP" dirty="0"/>
                         <a:t>0.004s</a:t>
                       </a:r>
                       <a:r>
-                        <a:rPr kumimoji="1" lang="ja-JP" altLang="en-US" dirty="0" smtClean="0"/>
+                        <a:rPr kumimoji="1" lang="ja-JP" altLang="en-US" dirty="0"/>
                         <a:t>ぶん）</a:t>
                       </a:r>
-                      <a:endParaRPr kumimoji="1" lang="ja-JP" altLang="en-US" dirty="0"/>
                     </a:p>
                   </a:txBody>
                   <a:tcPr/>
@@ -3719,7 +3738,7 @@
                     <a:p>
                       <a:pPr algn="ctr"/>
                       <a:r>
-                        <a:rPr kumimoji="1" lang="en-US" altLang="ja-JP" dirty="0" smtClean="0"/>
+                        <a:rPr kumimoji="1" lang="en-US" altLang="ja-JP" dirty="0"/>
                         <a:t>13h4m</a:t>
                       </a:r>
                       <a:endParaRPr kumimoji="1" lang="ja-JP" altLang="en-US" dirty="0"/>
@@ -3734,7 +3753,7 @@
                     <a:p>
                       <a:pPr algn="ctr"/>
                       <a:r>
-                        <a:rPr kumimoji="1" lang="en-US" altLang="ja-JP" dirty="0" smtClean="0"/>
+                        <a:rPr kumimoji="1" lang="en-US" altLang="ja-JP" dirty="0"/>
                         <a:t>25h12m</a:t>
                       </a:r>
                       <a:endParaRPr kumimoji="1" lang="ja-JP" altLang="en-US" dirty="0"/>
@@ -3742,6 +3761,11 @@
                   </a:txBody>
                   <a:tcPr/>
                 </a:tc>
+                <a:extLst>
+                  <a:ext uri="{0D108BD9-81ED-4DB2-BD59-A6C34878D82A}">
+                    <a16:rowId xmlns:a16="http://schemas.microsoft.com/office/drawing/2014/main" val="10006"/>
+                  </a:ext>
+                </a:extLst>
               </a:tr>
             </a:tbl>
           </a:graphicData>
@@ -3834,17 +3858,25 @@
           <a:lstStyle/>
           <a:p>
             <a:r>
-              <a:rPr kumimoji="1" lang="en-US" altLang="ja-JP" sz="2400" dirty="0" smtClean="0"/>
+              <a:rPr kumimoji="1" lang="en-US" altLang="ja-JP" sz="2400" dirty="0"/>
               <a:t>Cell size length</a:t>
             </a:r>
           </a:p>
           <a:p>
             <a:r>
-              <a:rPr kumimoji="1" lang="en-US" altLang="ja-JP" sz="2400" dirty="0" smtClean="0"/>
-              <a:t>= 0.1 </a:t>
-            </a:r>
-            <a:r>
-              <a:rPr kumimoji="1" lang="en-US" altLang="ja-JP" sz="2400" dirty="0" err="1" smtClean="0"/>
+              <a:rPr kumimoji="1" lang="en-US" altLang="ja-JP" sz="2400" dirty="0"/>
+              <a:t>= </a:t>
+            </a:r>
+            <a:r>
+              <a:rPr lang="en-US" altLang="ja-JP" sz="2400" dirty="0"/>
+              <a:t>2</a:t>
+            </a:r>
+            <a:r>
+              <a:rPr kumimoji="1" lang="en-US" altLang="ja-JP" sz="2400" dirty="0"/>
+              <a:t> </a:t>
+            </a:r>
+            <a:r>
+              <a:rPr kumimoji="1" lang="en-US" altLang="ja-JP" sz="2400" dirty="0" err="1"/>
               <a:t>μm</a:t>
             </a:r>
             <a:endParaRPr kumimoji="1" lang="ja-JP" altLang="en-US" sz="2400" dirty="0"/>
@@ -3874,13 +3906,13 @@
           <a:lstStyle/>
           <a:p>
             <a:r>
-              <a:rPr kumimoji="1" lang="en-US" altLang="ja-JP" sz="2400" dirty="0" smtClean="0"/>
+              <a:rPr kumimoji="1" lang="en-US" altLang="ja-JP" sz="2400" dirty="0"/>
               <a:t>Time</a:t>
             </a:r>
           </a:p>
           <a:p>
             <a:r>
-              <a:rPr lang="en-US" altLang="ja-JP" sz="2400" dirty="0" smtClean="0"/>
+              <a:rPr lang="en-US" altLang="ja-JP" sz="2400" dirty="0"/>
               <a:t>= 0.004s</a:t>
             </a:r>
             <a:endParaRPr kumimoji="1" lang="ja-JP" altLang="en-US" sz="2400" dirty="0"/>
@@ -3910,34 +3942,33 @@
           <a:lstStyle/>
           <a:p>
             <a:r>
-              <a:rPr kumimoji="1" lang="en-US" altLang="ja-JP" sz="2400" dirty="0" smtClean="0"/>
+              <a:rPr kumimoji="1" lang="en-US" altLang="ja-JP" sz="2400" dirty="0"/>
               <a:t>Solid </a:t>
             </a:r>
             <a:r>
-              <a:rPr kumimoji="1" lang="en-US" altLang="ja-JP" sz="2400" dirty="0" err="1" smtClean="0"/>
+              <a:rPr kumimoji="1" lang="en-US" altLang="ja-JP" sz="2400" dirty="0" err="1"/>
               <a:t>ptcl</a:t>
             </a:r>
             <a:r>
-              <a:rPr kumimoji="1" lang="en-US" altLang="ja-JP" sz="2400" dirty="0" smtClean="0"/>
+              <a:rPr kumimoji="1" lang="en-US" altLang="ja-JP" sz="2400" dirty="0"/>
               <a:t> diameter</a:t>
             </a:r>
-            <a:endParaRPr kumimoji="1" lang="en-US" altLang="ja-JP" sz="2400" dirty="0" smtClean="0"/>
-          </a:p>
-          <a:p>
-            <a:r>
-              <a:rPr kumimoji="1" lang="en-US" altLang="ja-JP" sz="2400" dirty="0" smtClean="0"/>
+          </a:p>
+          <a:p>
+            <a:r>
+              <a:rPr kumimoji="1" lang="en-US" altLang="ja-JP" sz="2400" dirty="0"/>
               <a:t>= </a:t>
             </a:r>
             <a:r>
-              <a:rPr lang="en-US" altLang="ja-JP" sz="2400" dirty="0" smtClean="0"/>
+              <a:rPr lang="en-US" altLang="ja-JP" sz="2400" dirty="0"/>
               <a:t>40</a:t>
             </a:r>
             <a:r>
-              <a:rPr kumimoji="1" lang="en-US" altLang="ja-JP" sz="2400" dirty="0" smtClean="0"/>
+              <a:rPr kumimoji="1" lang="en-US" altLang="ja-JP" sz="2400" dirty="0"/>
               <a:t> </a:t>
             </a:r>
             <a:r>
-              <a:rPr kumimoji="1" lang="en-US" altLang="ja-JP" sz="2400" dirty="0" err="1" smtClean="0"/>
+              <a:rPr kumimoji="1" lang="en-US" altLang="ja-JP" sz="2400" dirty="0" err="1"/>
               <a:t>μm</a:t>
             </a:r>
             <a:endParaRPr kumimoji="1" lang="ja-JP" altLang="en-US" sz="2400" dirty="0"/>
@@ -3967,26 +3998,25 @@
           <a:lstStyle/>
           <a:p>
             <a:r>
-              <a:rPr kumimoji="1" lang="en-US" altLang="ja-JP" sz="2400" dirty="0" smtClean="0"/>
+              <a:rPr kumimoji="1" lang="en-US" altLang="ja-JP" sz="2400" dirty="0"/>
               <a:t>Liquid diameter</a:t>
             </a:r>
-            <a:endParaRPr kumimoji="1" lang="en-US" altLang="ja-JP" sz="2400" dirty="0" smtClean="0"/>
-          </a:p>
-          <a:p>
-            <a:r>
-              <a:rPr kumimoji="1" lang="en-US" altLang="ja-JP" sz="2400" smtClean="0"/>
+          </a:p>
+          <a:p>
+            <a:r>
+              <a:rPr kumimoji="1" lang="en-US" altLang="ja-JP" sz="2400"/>
               <a:t>= </a:t>
             </a:r>
             <a:r>
-              <a:rPr lang="en-US" altLang="ja-JP" sz="2400" smtClean="0"/>
+              <a:rPr lang="en-US" altLang="ja-JP" sz="2400"/>
               <a:t>20</a:t>
             </a:r>
             <a:r>
-              <a:rPr kumimoji="1" lang="en-US" altLang="ja-JP" sz="2400" smtClean="0"/>
+              <a:rPr kumimoji="1" lang="en-US" altLang="ja-JP" sz="2400"/>
               <a:t> </a:t>
             </a:r>
             <a:r>
-              <a:rPr kumimoji="1" lang="en-US" altLang="ja-JP" sz="2400" dirty="0" err="1" smtClean="0"/>
+              <a:rPr kumimoji="1" lang="en-US" altLang="ja-JP" sz="2400" dirty="0" err="1"/>
               <a:t>μm</a:t>
             </a:r>
             <a:endParaRPr kumimoji="1" lang="ja-JP" altLang="en-US" sz="2400" dirty="0"/>
@@ -4283,20 +4313,20 @@
           <a:lstStyle/>
           <a:p>
             <a:r>
-              <a:rPr kumimoji="1" lang="ja-JP" altLang="en-US" dirty="0" smtClean="0"/>
+              <a:rPr kumimoji="1" lang="ja-JP" altLang="en-US" dirty="0"/>
               <a:t>水は最上層の個体粒子に付着。下層に落下してはいかなかった。</a:t>
             </a:r>
-            <a:endParaRPr kumimoji="1" lang="en-US" altLang="ja-JP" dirty="0" smtClean="0"/>
+            <a:endParaRPr kumimoji="1" lang="en-US" altLang="ja-JP" dirty="0"/>
           </a:p>
           <a:p>
             <a:endParaRPr lang="en-US" altLang="ja-JP" dirty="0"/>
           </a:p>
           <a:p>
             <a:r>
-              <a:rPr kumimoji="1" lang="ja-JP" altLang="en-US" dirty="0" smtClean="0"/>
+              <a:rPr kumimoji="1" lang="ja-JP" altLang="en-US" dirty="0"/>
               <a:t>エタノールは固体粒子にほとんど付着せず、</a:t>
             </a:r>
-            <a:endParaRPr kumimoji="1" lang="en-US" altLang="ja-JP" dirty="0" smtClean="0"/>
+            <a:endParaRPr kumimoji="1" lang="en-US" altLang="ja-JP" dirty="0"/>
           </a:p>
           <a:p>
             <a:endParaRPr lang="en-US" altLang="ja-JP" dirty="0"/>
@@ -4316,13 +4346,6 @@
   <p:clrMapOvr>
     <a:masterClrMapping/>
   </p:clrMapOvr>
-  <p:timing>
-    <p:tnLst>
-      <p:par>
-        <p:cTn id="1" dur="indefinite" restart="never" nodeType="tmRoot"/>
-      </p:par>
-    </p:tnLst>
-  </p:timing>
 </p:sld>
 </file>
 
@@ -4359,7 +4382,7 @@
           <a:lstStyle/>
           <a:p>
             <a:r>
-              <a:rPr kumimoji="1" lang="en-US" altLang="ja-JP" dirty="0" smtClean="0"/>
+              <a:rPr kumimoji="1" lang="en-US" altLang="ja-JP" dirty="0"/>
               <a:t>Cell Size Length :  2μm =&gt; 1μm</a:t>
             </a:r>
             <a:endParaRPr kumimoji="1" lang="ja-JP" altLang="en-US" dirty="0"/>
@@ -4382,11 +4405,11 @@
           <a:lstStyle/>
           <a:p>
             <a:r>
-              <a:rPr kumimoji="1" lang="en-US" altLang="ja-JP" dirty="0" err="1" smtClean="0"/>
+              <a:rPr kumimoji="1" lang="en-US" altLang="ja-JP" dirty="0" err="1"/>
               <a:t>TimeStep</a:t>
             </a:r>
             <a:r>
-              <a:rPr kumimoji="1" lang="en-US" altLang="ja-JP" dirty="0" smtClean="0"/>
+              <a:rPr kumimoji="1" lang="en-US" altLang="ja-JP" dirty="0"/>
               <a:t> : 0.5e-7s =&gt; 0.125e-7s</a:t>
             </a:r>
           </a:p>
@@ -4396,26 +4419,22 @@
           <a:p>
             <a:r>
               <a:rPr lang="ja-JP" altLang="en-US" dirty="0"/>
-              <a:t>計算</a:t>
-            </a:r>
-            <a:r>
-              <a:rPr lang="ja-JP" altLang="en-US" dirty="0" smtClean="0"/>
-              <a:t>時間</a:t>
-            </a:r>
-            <a:r>
-              <a:rPr lang="en-US" altLang="ja-JP" dirty="0" smtClean="0"/>
+              <a:t>計算時間</a:t>
+            </a:r>
+            <a:r>
+              <a:rPr lang="en-US" altLang="ja-JP" dirty="0"/>
               <a:t>(0.004s</a:t>
             </a:r>
             <a:r>
-              <a:rPr lang="ja-JP" altLang="en-US" dirty="0" smtClean="0"/>
+              <a:rPr lang="ja-JP" altLang="en-US" dirty="0"/>
               <a:t>ぶん</a:t>
             </a:r>
             <a:r>
-              <a:rPr lang="en-US" altLang="ja-JP" dirty="0" smtClean="0"/>
+              <a:rPr lang="en-US" altLang="ja-JP" dirty="0"/>
               <a:t>)</a:t>
             </a:r>
             <a:r>
-              <a:rPr kumimoji="1" lang="en-US" altLang="ja-JP" dirty="0" smtClean="0"/>
+              <a:rPr kumimoji="1" lang="en-US" altLang="ja-JP" dirty="0"/>
               <a:t> : 25h =&gt; 100h</a:t>
             </a:r>
           </a:p>
@@ -4424,22 +4443,21 @@
           </a:p>
           <a:p>
             <a:r>
-              <a:rPr kumimoji="1" lang="en-US" altLang="ja-JP" dirty="0" smtClean="0"/>
+              <a:rPr kumimoji="1" lang="en-US" altLang="ja-JP" dirty="0"/>
               <a:t>1</a:t>
             </a:r>
             <a:r>
-              <a:rPr kumimoji="1" lang="ja-JP" altLang="en-US" dirty="0" smtClean="0"/>
+              <a:rPr kumimoji="1" lang="ja-JP" altLang="en-US" dirty="0"/>
               <a:t>ケースに</a:t>
             </a:r>
             <a:r>
-              <a:rPr kumimoji="1" lang="en-US" altLang="ja-JP" dirty="0" smtClean="0"/>
+              <a:rPr kumimoji="1" lang="en-US" altLang="ja-JP" dirty="0"/>
               <a:t>4</a:t>
             </a:r>
             <a:r>
-              <a:rPr kumimoji="1" lang="ja-JP" altLang="en-US" dirty="0" smtClean="0"/>
+              <a:rPr kumimoji="1" lang="ja-JP" altLang="en-US" dirty="0"/>
               <a:t>日</a:t>
             </a:r>
-            <a:endParaRPr kumimoji="1" lang="ja-JP" altLang="en-US" dirty="0"/>
           </a:p>
         </p:txBody>
       </p:sp>
@@ -4453,13 +4471,6 @@
   <p:clrMapOvr>
     <a:masterClrMapping/>
   </p:clrMapOvr>
-  <p:timing>
-    <p:tnLst>
-      <p:par>
-        <p:cTn id="1" dur="indefinite" restart="never" nodeType="tmRoot"/>
-      </p:par>
-    </p:tnLst>
-  </p:timing>
 </p:sld>
 </file>
 
